--- a/data/images/logo.pptx
+++ b/data/images/logo.pptx
@@ -5,7 +5,8 @@
     <p:sldMasterId id="2147483648" r:id="rId1"/>
   </p:sldMasterIdLst>
   <p:sldIdLst>
-    <p:sldId id="256" r:id="rId2"/>
+    <p:sldId id="257" r:id="rId2"/>
+    <p:sldId id="256" r:id="rId3"/>
   </p:sldIdLst>
   <p:sldSz cx="9144000" cy="6858000" type="screen4x3"/>
   <p:notesSz cx="6858000" cy="9144000"/>
@@ -302,7 +303,7 @@
           <a:p>
             <a:fld id="{C3733D5E-4FBE-4515-BD6B-7A88DC286B64}" type="datetimeFigureOut">
               <a:rPr lang="zh-CN" altLang="en-US" smtClean="0"/>
-              <a:t>2020/2/18</a:t>
+              <a:t>2020/5/10</a:t>
             </a:fld>
             <a:endParaRPr lang="zh-CN" altLang="en-US"/>
           </a:p>
@@ -470,7 +471,7 @@
           <a:p>
             <a:fld id="{C3733D5E-4FBE-4515-BD6B-7A88DC286B64}" type="datetimeFigureOut">
               <a:rPr lang="zh-CN" altLang="en-US" smtClean="0"/>
-              <a:t>2020/2/18</a:t>
+              <a:t>2020/5/10</a:t>
             </a:fld>
             <a:endParaRPr lang="zh-CN" altLang="en-US"/>
           </a:p>
@@ -648,7 +649,7 @@
           <a:p>
             <a:fld id="{C3733D5E-4FBE-4515-BD6B-7A88DC286B64}" type="datetimeFigureOut">
               <a:rPr lang="zh-CN" altLang="en-US" smtClean="0"/>
-              <a:t>2020/2/18</a:t>
+              <a:t>2020/5/10</a:t>
             </a:fld>
             <a:endParaRPr lang="zh-CN" altLang="en-US"/>
           </a:p>
@@ -816,7 +817,7 @@
           <a:p>
             <a:fld id="{C3733D5E-4FBE-4515-BD6B-7A88DC286B64}" type="datetimeFigureOut">
               <a:rPr lang="zh-CN" altLang="en-US" smtClean="0"/>
-              <a:t>2020/2/18</a:t>
+              <a:t>2020/5/10</a:t>
             </a:fld>
             <a:endParaRPr lang="zh-CN" altLang="en-US"/>
           </a:p>
@@ -1061,7 +1062,7 @@
           <a:p>
             <a:fld id="{C3733D5E-4FBE-4515-BD6B-7A88DC286B64}" type="datetimeFigureOut">
               <a:rPr lang="zh-CN" altLang="en-US" smtClean="0"/>
-              <a:t>2020/2/18</a:t>
+              <a:t>2020/5/10</a:t>
             </a:fld>
             <a:endParaRPr lang="zh-CN" altLang="en-US"/>
           </a:p>
@@ -1346,7 +1347,7 @@
           <a:p>
             <a:fld id="{C3733D5E-4FBE-4515-BD6B-7A88DC286B64}" type="datetimeFigureOut">
               <a:rPr lang="zh-CN" altLang="en-US" smtClean="0"/>
-              <a:t>2020/2/18</a:t>
+              <a:t>2020/5/10</a:t>
             </a:fld>
             <a:endParaRPr lang="zh-CN" altLang="en-US"/>
           </a:p>
@@ -1765,7 +1766,7 @@
           <a:p>
             <a:fld id="{C3733D5E-4FBE-4515-BD6B-7A88DC286B64}" type="datetimeFigureOut">
               <a:rPr lang="zh-CN" altLang="en-US" smtClean="0"/>
-              <a:t>2020/2/18</a:t>
+              <a:t>2020/5/10</a:t>
             </a:fld>
             <a:endParaRPr lang="zh-CN" altLang="en-US"/>
           </a:p>
@@ -1882,7 +1883,7 @@
           <a:p>
             <a:fld id="{C3733D5E-4FBE-4515-BD6B-7A88DC286B64}" type="datetimeFigureOut">
               <a:rPr lang="zh-CN" altLang="en-US" smtClean="0"/>
-              <a:t>2020/2/18</a:t>
+              <a:t>2020/5/10</a:t>
             </a:fld>
             <a:endParaRPr lang="zh-CN" altLang="en-US"/>
           </a:p>
@@ -1977,7 +1978,7 @@
           <a:p>
             <a:fld id="{C3733D5E-4FBE-4515-BD6B-7A88DC286B64}" type="datetimeFigureOut">
               <a:rPr lang="zh-CN" altLang="en-US" smtClean="0"/>
-              <a:t>2020/2/18</a:t>
+              <a:t>2020/5/10</a:t>
             </a:fld>
             <a:endParaRPr lang="zh-CN" altLang="en-US"/>
           </a:p>
@@ -2252,7 +2253,7 @@
           <a:p>
             <a:fld id="{C3733D5E-4FBE-4515-BD6B-7A88DC286B64}" type="datetimeFigureOut">
               <a:rPr lang="zh-CN" altLang="en-US" smtClean="0"/>
-              <a:t>2020/2/18</a:t>
+              <a:t>2020/5/10</a:t>
             </a:fld>
             <a:endParaRPr lang="zh-CN" altLang="en-US"/>
           </a:p>
@@ -2504,7 +2505,7 @@
           <a:p>
             <a:fld id="{C3733D5E-4FBE-4515-BD6B-7A88DC286B64}" type="datetimeFigureOut">
               <a:rPr lang="zh-CN" altLang="en-US" smtClean="0"/>
-              <a:t>2020/2/18</a:t>
+              <a:t>2020/5/10</a:t>
             </a:fld>
             <a:endParaRPr lang="zh-CN" altLang="en-US"/>
           </a:p>
@@ -2715,7 +2716,7 @@
           <a:p>
             <a:fld id="{C3733D5E-4FBE-4515-BD6B-7A88DC286B64}" type="datetimeFigureOut">
               <a:rPr lang="zh-CN" altLang="en-US" smtClean="0"/>
-              <a:t>2020/2/18</a:t>
+              <a:t>2020/5/10</a:t>
             </a:fld>
             <a:endParaRPr lang="zh-CN" altLang="en-US"/>
           </a:p>
@@ -3092,51 +3093,13 @@
       </p:grpSpPr>
       <p:sp>
         <p:nvSpPr>
-          <p:cNvPr id="2" name="标题 1"/>
-          <p:cNvSpPr>
-            <a:spLocks noGrp="1"/>
-          </p:cNvSpPr>
-          <p:nvPr>
-            <p:ph type="ctrTitle"/>
-          </p:nvPr>
-        </p:nvSpPr>
-        <p:spPr/>
-        <p:txBody>
-          <a:bodyPr/>
-          <a:lstStyle/>
-          <a:p>
-            <a:endParaRPr lang="zh-CN" altLang="en-US"/>
-          </a:p>
-        </p:txBody>
-      </p:sp>
-      <p:sp>
-        <p:nvSpPr>
-          <p:cNvPr id="3" name="副标题 2"/>
-          <p:cNvSpPr>
-            <a:spLocks noGrp="1"/>
-          </p:cNvSpPr>
-          <p:nvPr>
-            <p:ph type="subTitle" idx="1"/>
-          </p:nvPr>
-        </p:nvSpPr>
-        <p:spPr/>
-        <p:txBody>
-          <a:bodyPr/>
-          <a:lstStyle/>
-          <a:p>
-            <a:endParaRPr lang="zh-CN" altLang="en-US"/>
-          </a:p>
-        </p:txBody>
-      </p:sp>
-      <p:sp>
-        <p:nvSpPr>
           <p:cNvPr id="4" name="椭圆 3"/>
           <p:cNvSpPr/>
           <p:nvPr/>
         </p:nvSpPr>
         <p:spPr>
           <a:xfrm>
-            <a:off x="-2268760" y="0"/>
+            <a:off x="3059832" y="1052736"/>
             <a:ext cx="3744416" cy="3744416"/>
           </a:xfrm>
           <a:custGeom>
@@ -3529,6 +3492,404 @@
     </p:spTree>
     <p:extLst>
       <p:ext uri="{BB962C8B-B14F-4D97-AF65-F5344CB8AC3E}">
+        <p14:creationId xmlns:p14="http://schemas.microsoft.com/office/powerpoint/2010/main" val="1598653442"/>
+      </p:ext>
+    </p:extLst>
+  </p:cSld>
+  <p:clrMapOvr>
+    <a:masterClrMapping/>
+  </p:clrMapOvr>
+</p:sld>
+</file>
+
+<file path=ppt/slides/slide2.xml><?xml version="1.0" encoding="utf-8"?>
+<p:sld xmlns:a="http://schemas.openxmlformats.org/drawingml/2006/main" xmlns:r="http://schemas.openxmlformats.org/officeDocument/2006/relationships" xmlns:p="http://schemas.openxmlformats.org/presentationml/2006/main">
+  <p:cSld>
+    <p:spTree>
+      <p:nvGrpSpPr>
+        <p:cNvPr id="1" name=""/>
+        <p:cNvGrpSpPr/>
+        <p:nvPr/>
+      </p:nvGrpSpPr>
+      <p:grpSpPr>
+        <a:xfrm>
+          <a:off x="0" y="0"/>
+          <a:ext cx="0" cy="0"/>
+          <a:chOff x="0" y="0"/>
+          <a:chExt cx="0" cy="0"/>
+        </a:xfrm>
+      </p:grpSpPr>
+      <p:sp>
+        <p:nvSpPr>
+          <p:cNvPr id="4" name="椭圆 3"/>
+          <p:cNvSpPr/>
+          <p:nvPr/>
+        </p:nvSpPr>
+        <p:spPr>
+          <a:xfrm>
+            <a:off x="3815105" y="1772816"/>
+            <a:ext cx="2088232" cy="2088232"/>
+          </a:xfrm>
+          <a:custGeom>
+            <a:avLst/>
+            <a:gdLst>
+              <a:gd name="connsiteX0" fmla="*/ 0 w 3744416"/>
+              <a:gd name="connsiteY0" fmla="*/ 1872208 h 3744416"/>
+              <a:gd name="connsiteX1" fmla="*/ 1872208 w 3744416"/>
+              <a:gd name="connsiteY1" fmla="*/ 0 h 3744416"/>
+              <a:gd name="connsiteX2" fmla="*/ 3744416 w 3744416"/>
+              <a:gd name="connsiteY2" fmla="*/ 1872208 h 3744416"/>
+              <a:gd name="connsiteX3" fmla="*/ 1872208 w 3744416"/>
+              <a:gd name="connsiteY3" fmla="*/ 3744416 h 3744416"/>
+              <a:gd name="connsiteX4" fmla="*/ 0 w 3744416"/>
+              <a:gd name="connsiteY4" fmla="*/ 1872208 h 3744416"/>
+              <a:gd name="connsiteX0" fmla="*/ 0 w 3744416"/>
+              <a:gd name="connsiteY0" fmla="*/ 1872208 h 3744416"/>
+              <a:gd name="connsiteX1" fmla="*/ 1872208 w 3744416"/>
+              <a:gd name="connsiteY1" fmla="*/ 0 h 3744416"/>
+              <a:gd name="connsiteX2" fmla="*/ 3744416 w 3744416"/>
+              <a:gd name="connsiteY2" fmla="*/ 1872208 h 3744416"/>
+              <a:gd name="connsiteX3" fmla="*/ 1872208 w 3744416"/>
+              <a:gd name="connsiteY3" fmla="*/ 3744416 h 3744416"/>
+              <a:gd name="connsiteX4" fmla="*/ 0 w 3744416"/>
+              <a:gd name="connsiteY4" fmla="*/ 1872208 h 3744416"/>
+              <a:gd name="connsiteX0" fmla="*/ 0 w 3744416"/>
+              <a:gd name="connsiteY0" fmla="*/ 1872208 h 3744416"/>
+              <a:gd name="connsiteX1" fmla="*/ 962474 w 3744416"/>
+              <a:gd name="connsiteY1" fmla="*/ 885371 h 3744416"/>
+              <a:gd name="connsiteX2" fmla="*/ 1872208 w 3744416"/>
+              <a:gd name="connsiteY2" fmla="*/ 0 h 3744416"/>
+              <a:gd name="connsiteX3" fmla="*/ 3744416 w 3744416"/>
+              <a:gd name="connsiteY3" fmla="*/ 1872208 h 3744416"/>
+              <a:gd name="connsiteX4" fmla="*/ 1872208 w 3744416"/>
+              <a:gd name="connsiteY4" fmla="*/ 3744416 h 3744416"/>
+              <a:gd name="connsiteX5" fmla="*/ 0 w 3744416"/>
+              <a:gd name="connsiteY5" fmla="*/ 1872208 h 3744416"/>
+              <a:gd name="connsiteX0" fmla="*/ 962474 w 3744416"/>
+              <a:gd name="connsiteY0" fmla="*/ 885371 h 3744416"/>
+              <a:gd name="connsiteX1" fmla="*/ 1872208 w 3744416"/>
+              <a:gd name="connsiteY1" fmla="*/ 0 h 3744416"/>
+              <a:gd name="connsiteX2" fmla="*/ 3744416 w 3744416"/>
+              <a:gd name="connsiteY2" fmla="*/ 1872208 h 3744416"/>
+              <a:gd name="connsiteX3" fmla="*/ 1872208 w 3744416"/>
+              <a:gd name="connsiteY3" fmla="*/ 3744416 h 3744416"/>
+              <a:gd name="connsiteX4" fmla="*/ 0 w 3744416"/>
+              <a:gd name="connsiteY4" fmla="*/ 1872208 h 3744416"/>
+              <a:gd name="connsiteX5" fmla="*/ 1053914 w 3744416"/>
+              <a:gd name="connsiteY5" fmla="*/ 976811 h 3744416"/>
+              <a:gd name="connsiteX0" fmla="*/ 962474 w 3744416"/>
+              <a:gd name="connsiteY0" fmla="*/ 885371 h 3744416"/>
+              <a:gd name="connsiteX1" fmla="*/ 1872208 w 3744416"/>
+              <a:gd name="connsiteY1" fmla="*/ 0 h 3744416"/>
+              <a:gd name="connsiteX2" fmla="*/ 3744416 w 3744416"/>
+              <a:gd name="connsiteY2" fmla="*/ 1872208 h 3744416"/>
+              <a:gd name="connsiteX3" fmla="*/ 1872208 w 3744416"/>
+              <a:gd name="connsiteY3" fmla="*/ 3744416 h 3744416"/>
+              <a:gd name="connsiteX4" fmla="*/ 0 w 3744416"/>
+              <a:gd name="connsiteY4" fmla="*/ 1872208 h 3744416"/>
+              <a:gd name="connsiteX5" fmla="*/ 1053914 w 3744416"/>
+              <a:gd name="connsiteY5" fmla="*/ 976811 h 3744416"/>
+              <a:gd name="connsiteX0" fmla="*/ 962474 w 3744416"/>
+              <a:gd name="connsiteY0" fmla="*/ 885371 h 3744416"/>
+              <a:gd name="connsiteX1" fmla="*/ 1872208 w 3744416"/>
+              <a:gd name="connsiteY1" fmla="*/ 0 h 3744416"/>
+              <a:gd name="connsiteX2" fmla="*/ 3744416 w 3744416"/>
+              <a:gd name="connsiteY2" fmla="*/ 1872208 h 3744416"/>
+              <a:gd name="connsiteX3" fmla="*/ 1872208 w 3744416"/>
+              <a:gd name="connsiteY3" fmla="*/ 3744416 h 3744416"/>
+              <a:gd name="connsiteX4" fmla="*/ 0 w 3744416"/>
+              <a:gd name="connsiteY4" fmla="*/ 1872208 h 3744416"/>
+              <a:gd name="connsiteX5" fmla="*/ 1053914 w 3744416"/>
+              <a:gd name="connsiteY5" fmla="*/ 976811 h 3744416"/>
+              <a:gd name="connsiteX0" fmla="*/ 962474 w 3744416"/>
+              <a:gd name="connsiteY0" fmla="*/ 885371 h 3744416"/>
+              <a:gd name="connsiteX1" fmla="*/ 1872208 w 3744416"/>
+              <a:gd name="connsiteY1" fmla="*/ 0 h 3744416"/>
+              <a:gd name="connsiteX2" fmla="*/ 3744416 w 3744416"/>
+              <a:gd name="connsiteY2" fmla="*/ 1872208 h 3744416"/>
+              <a:gd name="connsiteX3" fmla="*/ 1872208 w 3744416"/>
+              <a:gd name="connsiteY3" fmla="*/ 3744416 h 3744416"/>
+              <a:gd name="connsiteX4" fmla="*/ 0 w 3744416"/>
+              <a:gd name="connsiteY4" fmla="*/ 1872208 h 3744416"/>
+              <a:gd name="connsiteX5" fmla="*/ 1053914 w 3744416"/>
+              <a:gd name="connsiteY5" fmla="*/ 976811 h 3744416"/>
+              <a:gd name="connsiteX0" fmla="*/ 962474 w 3744416"/>
+              <a:gd name="connsiteY0" fmla="*/ 885371 h 3744416"/>
+              <a:gd name="connsiteX1" fmla="*/ 1872208 w 3744416"/>
+              <a:gd name="connsiteY1" fmla="*/ 0 h 3744416"/>
+              <a:gd name="connsiteX2" fmla="*/ 3744416 w 3744416"/>
+              <a:gd name="connsiteY2" fmla="*/ 1872208 h 3744416"/>
+              <a:gd name="connsiteX3" fmla="*/ 1872208 w 3744416"/>
+              <a:gd name="connsiteY3" fmla="*/ 3744416 h 3744416"/>
+              <a:gd name="connsiteX4" fmla="*/ 0 w 3744416"/>
+              <a:gd name="connsiteY4" fmla="*/ 1872208 h 3744416"/>
+              <a:gd name="connsiteX5" fmla="*/ 1242600 w 3744416"/>
+              <a:gd name="connsiteY5" fmla="*/ 1804126 h 3744416"/>
+              <a:gd name="connsiteX0" fmla="*/ 962474 w 3744416"/>
+              <a:gd name="connsiteY0" fmla="*/ 885371 h 3744416"/>
+              <a:gd name="connsiteX1" fmla="*/ 1872208 w 3744416"/>
+              <a:gd name="connsiteY1" fmla="*/ 0 h 3744416"/>
+              <a:gd name="connsiteX2" fmla="*/ 3744416 w 3744416"/>
+              <a:gd name="connsiteY2" fmla="*/ 1872208 h 3744416"/>
+              <a:gd name="connsiteX3" fmla="*/ 1872208 w 3744416"/>
+              <a:gd name="connsiteY3" fmla="*/ 3744416 h 3744416"/>
+              <a:gd name="connsiteX4" fmla="*/ 0 w 3744416"/>
+              <a:gd name="connsiteY4" fmla="*/ 1872208 h 3744416"/>
+              <a:gd name="connsiteX5" fmla="*/ 1329686 w 3744416"/>
+              <a:gd name="connsiteY5" fmla="*/ 2587897 h 3744416"/>
+              <a:gd name="connsiteX0" fmla="*/ 962474 w 3744416"/>
+              <a:gd name="connsiteY0" fmla="*/ 885371 h 3744416"/>
+              <a:gd name="connsiteX1" fmla="*/ 1872208 w 3744416"/>
+              <a:gd name="connsiteY1" fmla="*/ 0 h 3744416"/>
+              <a:gd name="connsiteX2" fmla="*/ 3744416 w 3744416"/>
+              <a:gd name="connsiteY2" fmla="*/ 1872208 h 3744416"/>
+              <a:gd name="connsiteX3" fmla="*/ 1872208 w 3744416"/>
+              <a:gd name="connsiteY3" fmla="*/ 3744416 h 3744416"/>
+              <a:gd name="connsiteX4" fmla="*/ 0 w 3744416"/>
+              <a:gd name="connsiteY4" fmla="*/ 1872208 h 3744416"/>
+              <a:gd name="connsiteX5" fmla="*/ 1329686 w 3744416"/>
+              <a:gd name="connsiteY5" fmla="*/ 2587897 h 3744416"/>
+              <a:gd name="connsiteX0" fmla="*/ 962474 w 3744416"/>
+              <a:gd name="connsiteY0" fmla="*/ 885371 h 3744416"/>
+              <a:gd name="connsiteX1" fmla="*/ 1872208 w 3744416"/>
+              <a:gd name="connsiteY1" fmla="*/ 0 h 3744416"/>
+              <a:gd name="connsiteX2" fmla="*/ 3744416 w 3744416"/>
+              <a:gd name="connsiteY2" fmla="*/ 1872208 h 3744416"/>
+              <a:gd name="connsiteX3" fmla="*/ 1872208 w 3744416"/>
+              <a:gd name="connsiteY3" fmla="*/ 3744416 h 3744416"/>
+              <a:gd name="connsiteX4" fmla="*/ 0 w 3744416"/>
+              <a:gd name="connsiteY4" fmla="*/ 1872208 h 3744416"/>
+              <a:gd name="connsiteX5" fmla="*/ 1329686 w 3744416"/>
+              <a:gd name="connsiteY5" fmla="*/ 2587897 h 3744416"/>
+              <a:gd name="connsiteX0" fmla="*/ 962474 w 3744416"/>
+              <a:gd name="connsiteY0" fmla="*/ 885371 h 3744416"/>
+              <a:gd name="connsiteX1" fmla="*/ 1872208 w 3744416"/>
+              <a:gd name="connsiteY1" fmla="*/ 0 h 3744416"/>
+              <a:gd name="connsiteX2" fmla="*/ 3744416 w 3744416"/>
+              <a:gd name="connsiteY2" fmla="*/ 1872208 h 3744416"/>
+              <a:gd name="connsiteX3" fmla="*/ 1872208 w 3744416"/>
+              <a:gd name="connsiteY3" fmla="*/ 3744416 h 3744416"/>
+              <a:gd name="connsiteX4" fmla="*/ 0 w 3744416"/>
+              <a:gd name="connsiteY4" fmla="*/ 1872208 h 3744416"/>
+              <a:gd name="connsiteX5" fmla="*/ 1329686 w 3744416"/>
+              <a:gd name="connsiteY5" fmla="*/ 2587897 h 3744416"/>
+              <a:gd name="connsiteX0" fmla="*/ 2022017 w 3744416"/>
+              <a:gd name="connsiteY0" fmla="*/ 1117599 h 3744416"/>
+              <a:gd name="connsiteX1" fmla="*/ 1872208 w 3744416"/>
+              <a:gd name="connsiteY1" fmla="*/ 0 h 3744416"/>
+              <a:gd name="connsiteX2" fmla="*/ 3744416 w 3744416"/>
+              <a:gd name="connsiteY2" fmla="*/ 1872208 h 3744416"/>
+              <a:gd name="connsiteX3" fmla="*/ 1872208 w 3744416"/>
+              <a:gd name="connsiteY3" fmla="*/ 3744416 h 3744416"/>
+              <a:gd name="connsiteX4" fmla="*/ 0 w 3744416"/>
+              <a:gd name="connsiteY4" fmla="*/ 1872208 h 3744416"/>
+              <a:gd name="connsiteX5" fmla="*/ 1329686 w 3744416"/>
+              <a:gd name="connsiteY5" fmla="*/ 2587897 h 3744416"/>
+              <a:gd name="connsiteX0" fmla="*/ 2733217 w 3744416"/>
+              <a:gd name="connsiteY0" fmla="*/ 1103084 h 3744416"/>
+              <a:gd name="connsiteX1" fmla="*/ 1872208 w 3744416"/>
+              <a:gd name="connsiteY1" fmla="*/ 0 h 3744416"/>
+              <a:gd name="connsiteX2" fmla="*/ 3744416 w 3744416"/>
+              <a:gd name="connsiteY2" fmla="*/ 1872208 h 3744416"/>
+              <a:gd name="connsiteX3" fmla="*/ 1872208 w 3744416"/>
+              <a:gd name="connsiteY3" fmla="*/ 3744416 h 3744416"/>
+              <a:gd name="connsiteX4" fmla="*/ 0 w 3744416"/>
+              <a:gd name="connsiteY4" fmla="*/ 1872208 h 3744416"/>
+              <a:gd name="connsiteX5" fmla="*/ 1329686 w 3744416"/>
+              <a:gd name="connsiteY5" fmla="*/ 2587897 h 3744416"/>
+              <a:gd name="connsiteX0" fmla="*/ 2733217 w 3744416"/>
+              <a:gd name="connsiteY0" fmla="*/ 1103084 h 3744416"/>
+              <a:gd name="connsiteX1" fmla="*/ 1872208 w 3744416"/>
+              <a:gd name="connsiteY1" fmla="*/ 0 h 3744416"/>
+              <a:gd name="connsiteX2" fmla="*/ 3744416 w 3744416"/>
+              <a:gd name="connsiteY2" fmla="*/ 1872208 h 3744416"/>
+              <a:gd name="connsiteX3" fmla="*/ 1872208 w 3744416"/>
+              <a:gd name="connsiteY3" fmla="*/ 3744416 h 3744416"/>
+              <a:gd name="connsiteX4" fmla="*/ 0 w 3744416"/>
+              <a:gd name="connsiteY4" fmla="*/ 1872208 h 3744416"/>
+              <a:gd name="connsiteX5" fmla="*/ 1053915 w 3744416"/>
+              <a:gd name="connsiteY5" fmla="*/ 1455783 h 3744416"/>
+              <a:gd name="connsiteX0" fmla="*/ 2733217 w 3744416"/>
+              <a:gd name="connsiteY0" fmla="*/ 1103084 h 3744416"/>
+              <a:gd name="connsiteX1" fmla="*/ 1872208 w 3744416"/>
+              <a:gd name="connsiteY1" fmla="*/ 0 h 3744416"/>
+              <a:gd name="connsiteX2" fmla="*/ 3744416 w 3744416"/>
+              <a:gd name="connsiteY2" fmla="*/ 1872208 h 3744416"/>
+              <a:gd name="connsiteX3" fmla="*/ 1872208 w 3744416"/>
+              <a:gd name="connsiteY3" fmla="*/ 3744416 h 3744416"/>
+              <a:gd name="connsiteX4" fmla="*/ 0 w 3744416"/>
+              <a:gd name="connsiteY4" fmla="*/ 1872208 h 3744416"/>
+              <a:gd name="connsiteX5" fmla="*/ 792658 w 3744416"/>
+              <a:gd name="connsiteY5" fmla="*/ 454297 h 3744416"/>
+              <a:gd name="connsiteX0" fmla="*/ 2733217 w 3744416"/>
+              <a:gd name="connsiteY0" fmla="*/ 1103084 h 3744416"/>
+              <a:gd name="connsiteX1" fmla="*/ 1872208 w 3744416"/>
+              <a:gd name="connsiteY1" fmla="*/ 0 h 3744416"/>
+              <a:gd name="connsiteX2" fmla="*/ 3744416 w 3744416"/>
+              <a:gd name="connsiteY2" fmla="*/ 1872208 h 3744416"/>
+              <a:gd name="connsiteX3" fmla="*/ 1872208 w 3744416"/>
+              <a:gd name="connsiteY3" fmla="*/ 3744416 h 3744416"/>
+              <a:gd name="connsiteX4" fmla="*/ 0 w 3744416"/>
+              <a:gd name="connsiteY4" fmla="*/ 1872208 h 3744416"/>
+              <a:gd name="connsiteX5" fmla="*/ 226601 w 3744416"/>
+              <a:gd name="connsiteY5" fmla="*/ 454297 h 3744416"/>
+              <a:gd name="connsiteX0" fmla="*/ 2210703 w 3744416"/>
+              <a:gd name="connsiteY0" fmla="*/ 2728684 h 3744416"/>
+              <a:gd name="connsiteX1" fmla="*/ 1872208 w 3744416"/>
+              <a:gd name="connsiteY1" fmla="*/ 0 h 3744416"/>
+              <a:gd name="connsiteX2" fmla="*/ 3744416 w 3744416"/>
+              <a:gd name="connsiteY2" fmla="*/ 1872208 h 3744416"/>
+              <a:gd name="connsiteX3" fmla="*/ 1872208 w 3744416"/>
+              <a:gd name="connsiteY3" fmla="*/ 3744416 h 3744416"/>
+              <a:gd name="connsiteX4" fmla="*/ 0 w 3744416"/>
+              <a:gd name="connsiteY4" fmla="*/ 1872208 h 3744416"/>
+              <a:gd name="connsiteX5" fmla="*/ 226601 w 3744416"/>
+              <a:gd name="connsiteY5" fmla="*/ 454297 h 3744416"/>
+              <a:gd name="connsiteX0" fmla="*/ 2210703 w 3744416"/>
+              <a:gd name="connsiteY0" fmla="*/ 2728684 h 3744416"/>
+              <a:gd name="connsiteX1" fmla="*/ 1872208 w 3744416"/>
+              <a:gd name="connsiteY1" fmla="*/ 0 h 3744416"/>
+              <a:gd name="connsiteX2" fmla="*/ 3744416 w 3744416"/>
+              <a:gd name="connsiteY2" fmla="*/ 1872208 h 3744416"/>
+              <a:gd name="connsiteX3" fmla="*/ 1872208 w 3744416"/>
+              <a:gd name="connsiteY3" fmla="*/ 3744416 h 3744416"/>
+              <a:gd name="connsiteX4" fmla="*/ 0 w 3744416"/>
+              <a:gd name="connsiteY4" fmla="*/ 1872208 h 3744416"/>
+              <a:gd name="connsiteX5" fmla="*/ 226601 w 3744416"/>
+              <a:gd name="connsiteY5" fmla="*/ 454297 h 3744416"/>
+              <a:gd name="connsiteX0" fmla="*/ 2210703 w 3744416"/>
+              <a:gd name="connsiteY0" fmla="*/ 2728684 h 3744416"/>
+              <a:gd name="connsiteX1" fmla="*/ 1872208 w 3744416"/>
+              <a:gd name="connsiteY1" fmla="*/ 0 h 3744416"/>
+              <a:gd name="connsiteX2" fmla="*/ 3744416 w 3744416"/>
+              <a:gd name="connsiteY2" fmla="*/ 1872208 h 3744416"/>
+              <a:gd name="connsiteX3" fmla="*/ 1872208 w 3744416"/>
+              <a:gd name="connsiteY3" fmla="*/ 3744416 h 3744416"/>
+              <a:gd name="connsiteX4" fmla="*/ 0 w 3744416"/>
+              <a:gd name="connsiteY4" fmla="*/ 1872208 h 3744416"/>
+              <a:gd name="connsiteX5" fmla="*/ 226601 w 3744416"/>
+              <a:gd name="connsiteY5" fmla="*/ 454297 h 3744416"/>
+              <a:gd name="connsiteX0" fmla="*/ 2210703 w 3744416"/>
+              <a:gd name="connsiteY0" fmla="*/ 2728684 h 3744416"/>
+              <a:gd name="connsiteX1" fmla="*/ 1872208 w 3744416"/>
+              <a:gd name="connsiteY1" fmla="*/ 0 h 3744416"/>
+              <a:gd name="connsiteX2" fmla="*/ 3744416 w 3744416"/>
+              <a:gd name="connsiteY2" fmla="*/ 1872208 h 3744416"/>
+              <a:gd name="connsiteX3" fmla="*/ 1872208 w 3744416"/>
+              <a:gd name="connsiteY3" fmla="*/ 3744416 h 3744416"/>
+              <a:gd name="connsiteX4" fmla="*/ 0 w 3744416"/>
+              <a:gd name="connsiteY4" fmla="*/ 1872208 h 3744416"/>
+              <a:gd name="connsiteX5" fmla="*/ 226601 w 3744416"/>
+              <a:gd name="connsiteY5" fmla="*/ 454297 h 3744416"/>
+              <a:gd name="connsiteX6" fmla="*/ 2210703 w 3744416"/>
+              <a:gd name="connsiteY6" fmla="*/ 2728684 h 3744416"/>
+              <a:gd name="connsiteX0" fmla="*/ 2210703 w 3744416"/>
+              <a:gd name="connsiteY0" fmla="*/ 2728684 h 3744416"/>
+              <a:gd name="connsiteX1" fmla="*/ 1872208 w 3744416"/>
+              <a:gd name="connsiteY1" fmla="*/ 0 h 3744416"/>
+              <a:gd name="connsiteX2" fmla="*/ 3744416 w 3744416"/>
+              <a:gd name="connsiteY2" fmla="*/ 1872208 h 3744416"/>
+              <a:gd name="connsiteX3" fmla="*/ 1872208 w 3744416"/>
+              <a:gd name="connsiteY3" fmla="*/ 3744416 h 3744416"/>
+              <a:gd name="connsiteX4" fmla="*/ 0 w 3744416"/>
+              <a:gd name="connsiteY4" fmla="*/ 1872208 h 3744416"/>
+              <a:gd name="connsiteX5" fmla="*/ 226601 w 3744416"/>
+              <a:gd name="connsiteY5" fmla="*/ 454297 h 3744416"/>
+              <a:gd name="connsiteX6" fmla="*/ 2210703 w 3744416"/>
+              <a:gd name="connsiteY6" fmla="*/ 2728684 h 3744416"/>
+            </a:gdLst>
+            <a:ahLst/>
+            <a:cxnLst>
+              <a:cxn ang="0">
+                <a:pos x="connsiteX0" y="connsiteY0"/>
+              </a:cxn>
+              <a:cxn ang="0">
+                <a:pos x="connsiteX1" y="connsiteY1"/>
+              </a:cxn>
+              <a:cxn ang="0">
+                <a:pos x="connsiteX2" y="connsiteY2"/>
+              </a:cxn>
+              <a:cxn ang="0">
+                <a:pos x="connsiteX3" y="connsiteY3"/>
+              </a:cxn>
+              <a:cxn ang="0">
+                <a:pos x="connsiteX4" y="connsiteY4"/>
+              </a:cxn>
+              <a:cxn ang="0">
+                <a:pos x="connsiteX5" y="connsiteY5"/>
+              </a:cxn>
+              <a:cxn ang="0">
+                <a:pos x="connsiteX6" y="connsiteY6"/>
+              </a:cxn>
+            </a:cxnLst>
+            <a:rect l="l" t="t" r="r" b="b"/>
+            <a:pathLst>
+              <a:path w="3744416" h="3744416">
+                <a:moveTo>
+                  <a:pt x="2210703" y="2728684"/>
+                </a:moveTo>
+                <a:cubicBezTo>
+                  <a:pt x="443242" y="266094"/>
+                  <a:pt x="1985040" y="909561"/>
+                  <a:pt x="1872208" y="0"/>
+                </a:cubicBezTo>
+                <a:cubicBezTo>
+                  <a:pt x="3127626" y="123304"/>
+                  <a:pt x="3744416" y="838216"/>
+                  <a:pt x="3744416" y="1872208"/>
+                </a:cubicBezTo>
+                <a:cubicBezTo>
+                  <a:pt x="3744416" y="2906200"/>
+                  <a:pt x="2906200" y="3744416"/>
+                  <a:pt x="1872208" y="3744416"/>
+                </a:cubicBezTo>
+                <a:cubicBezTo>
+                  <a:pt x="838216" y="3744416"/>
+                  <a:pt x="0" y="2906200"/>
+                  <a:pt x="0" y="1872208"/>
+                </a:cubicBezTo>
+                <a:cubicBezTo>
+                  <a:pt x="320825" y="1543262"/>
+                  <a:pt x="226601" y="454297"/>
+                  <a:pt x="226601" y="454297"/>
+                </a:cubicBezTo>
+                <a:cubicBezTo>
+                  <a:pt x="1062139" y="443169"/>
+                  <a:pt x="1549336" y="1970555"/>
+                  <a:pt x="2210703" y="2728684"/>
+                </a:cubicBezTo>
+                <a:close/>
+              </a:path>
+            </a:pathLst>
+          </a:custGeom>
+          <a:ln/>
+        </p:spPr>
+        <p:style>
+          <a:lnRef idx="1">
+            <a:schemeClr val="accent5"/>
+          </a:lnRef>
+          <a:fillRef idx="2">
+            <a:schemeClr val="accent5"/>
+          </a:fillRef>
+          <a:effectRef idx="1">
+            <a:schemeClr val="accent5"/>
+          </a:effectRef>
+          <a:fontRef idx="minor">
+            <a:schemeClr val="dk1"/>
+          </a:fontRef>
+        </p:style>
+        <p:txBody>
+          <a:bodyPr rtlCol="0" anchor="ctr"/>
+          <a:lstStyle/>
+          <a:p>
+            <a:pPr algn="ctr"/>
+            <a:endParaRPr lang="zh-CN" altLang="en-US" dirty="0"/>
+          </a:p>
+        </p:txBody>
+      </p:sp>
+    </p:spTree>
+    <p:extLst>
+      <p:ext uri="{BB962C8B-B14F-4D97-AF65-F5344CB8AC3E}">
         <p14:creationId xmlns:p14="http://schemas.microsoft.com/office/powerpoint/2010/main" val="4186310205"/>
       </p:ext>
     </p:extLst>

--- a/data/images/logo.pptx
+++ b/data/images/logo.pptx
@@ -6,7 +6,9 @@
   </p:sldMasterIdLst>
   <p:sldIdLst>
     <p:sldId id="257" r:id="rId2"/>
-    <p:sldId id="256" r:id="rId3"/>
+    <p:sldId id="259" r:id="rId3"/>
+    <p:sldId id="258" r:id="rId4"/>
+    <p:sldId id="256" r:id="rId5"/>
   </p:sldIdLst>
   <p:sldSz cx="9144000" cy="6858000" type="screen4x3"/>
   <p:notesSz cx="6858000" cy="9144000"/>
@@ -303,7 +305,7 @@
           <a:p>
             <a:fld id="{C3733D5E-4FBE-4515-BD6B-7A88DC286B64}" type="datetimeFigureOut">
               <a:rPr lang="zh-CN" altLang="en-US" smtClean="0"/>
-              <a:t>2020/5/10</a:t>
+              <a:t>2020/5/14</a:t>
             </a:fld>
             <a:endParaRPr lang="zh-CN" altLang="en-US"/>
           </a:p>
@@ -471,7 +473,7 @@
           <a:p>
             <a:fld id="{C3733D5E-4FBE-4515-BD6B-7A88DC286B64}" type="datetimeFigureOut">
               <a:rPr lang="zh-CN" altLang="en-US" smtClean="0"/>
-              <a:t>2020/5/10</a:t>
+              <a:t>2020/5/14</a:t>
             </a:fld>
             <a:endParaRPr lang="zh-CN" altLang="en-US"/>
           </a:p>
@@ -649,7 +651,7 @@
           <a:p>
             <a:fld id="{C3733D5E-4FBE-4515-BD6B-7A88DC286B64}" type="datetimeFigureOut">
               <a:rPr lang="zh-CN" altLang="en-US" smtClean="0"/>
-              <a:t>2020/5/10</a:t>
+              <a:t>2020/5/14</a:t>
             </a:fld>
             <a:endParaRPr lang="zh-CN" altLang="en-US"/>
           </a:p>
@@ -817,7 +819,7 @@
           <a:p>
             <a:fld id="{C3733D5E-4FBE-4515-BD6B-7A88DC286B64}" type="datetimeFigureOut">
               <a:rPr lang="zh-CN" altLang="en-US" smtClean="0"/>
-              <a:t>2020/5/10</a:t>
+              <a:t>2020/5/14</a:t>
             </a:fld>
             <a:endParaRPr lang="zh-CN" altLang="en-US"/>
           </a:p>
@@ -1062,7 +1064,7 @@
           <a:p>
             <a:fld id="{C3733D5E-4FBE-4515-BD6B-7A88DC286B64}" type="datetimeFigureOut">
               <a:rPr lang="zh-CN" altLang="en-US" smtClean="0"/>
-              <a:t>2020/5/10</a:t>
+              <a:t>2020/5/14</a:t>
             </a:fld>
             <a:endParaRPr lang="zh-CN" altLang="en-US"/>
           </a:p>
@@ -1347,7 +1349,7 @@
           <a:p>
             <a:fld id="{C3733D5E-4FBE-4515-BD6B-7A88DC286B64}" type="datetimeFigureOut">
               <a:rPr lang="zh-CN" altLang="en-US" smtClean="0"/>
-              <a:t>2020/5/10</a:t>
+              <a:t>2020/5/14</a:t>
             </a:fld>
             <a:endParaRPr lang="zh-CN" altLang="en-US"/>
           </a:p>
@@ -1766,7 +1768,7 @@
           <a:p>
             <a:fld id="{C3733D5E-4FBE-4515-BD6B-7A88DC286B64}" type="datetimeFigureOut">
               <a:rPr lang="zh-CN" altLang="en-US" smtClean="0"/>
-              <a:t>2020/5/10</a:t>
+              <a:t>2020/5/14</a:t>
             </a:fld>
             <a:endParaRPr lang="zh-CN" altLang="en-US"/>
           </a:p>
@@ -1883,7 +1885,7 @@
           <a:p>
             <a:fld id="{C3733D5E-4FBE-4515-BD6B-7A88DC286B64}" type="datetimeFigureOut">
               <a:rPr lang="zh-CN" altLang="en-US" smtClean="0"/>
-              <a:t>2020/5/10</a:t>
+              <a:t>2020/5/14</a:t>
             </a:fld>
             <a:endParaRPr lang="zh-CN" altLang="en-US"/>
           </a:p>
@@ -1978,7 +1980,7 @@
           <a:p>
             <a:fld id="{C3733D5E-4FBE-4515-BD6B-7A88DC286B64}" type="datetimeFigureOut">
               <a:rPr lang="zh-CN" altLang="en-US" smtClean="0"/>
-              <a:t>2020/5/10</a:t>
+              <a:t>2020/5/14</a:t>
             </a:fld>
             <a:endParaRPr lang="zh-CN" altLang="en-US"/>
           </a:p>
@@ -2253,7 +2255,7 @@
           <a:p>
             <a:fld id="{C3733D5E-4FBE-4515-BD6B-7A88DC286B64}" type="datetimeFigureOut">
               <a:rPr lang="zh-CN" altLang="en-US" smtClean="0"/>
-              <a:t>2020/5/10</a:t>
+              <a:t>2020/5/14</a:t>
             </a:fld>
             <a:endParaRPr lang="zh-CN" altLang="en-US"/>
           </a:p>
@@ -2505,7 +2507,7 @@
           <a:p>
             <a:fld id="{C3733D5E-4FBE-4515-BD6B-7A88DC286B64}" type="datetimeFigureOut">
               <a:rPr lang="zh-CN" altLang="en-US" smtClean="0"/>
-              <a:t>2020/5/10</a:t>
+              <a:t>2020/5/14</a:t>
             </a:fld>
             <a:endParaRPr lang="zh-CN" altLang="en-US"/>
           </a:p>
@@ -2716,7 +2718,7 @@
           <a:p>
             <a:fld id="{C3733D5E-4FBE-4515-BD6B-7A88DC286B64}" type="datetimeFigureOut">
               <a:rPr lang="zh-CN" altLang="en-US" smtClean="0"/>
-              <a:t>2020/5/10</a:t>
+              <a:t>2020/5/14</a:t>
             </a:fld>
             <a:endParaRPr lang="zh-CN" altLang="en-US"/>
           </a:p>
@@ -3434,37 +3436,15 @@
               </a:path>
             </a:pathLst>
           </a:custGeom>
-          <a:gradFill>
-            <a:gsLst>
-              <a:gs pos="0">
-                <a:srgbClr val="3DA5C1"/>
-              </a:gs>
-              <a:gs pos="35000">
-                <a:schemeClr val="accent5">
-                  <a:lumMod val="60000"/>
-                  <a:lumOff val="40000"/>
-                </a:schemeClr>
-              </a:gs>
-              <a:gs pos="100000">
-                <a:schemeClr val="accent5">
-                  <a:lumMod val="20000"/>
-                  <a:lumOff val="80000"/>
-                </a:schemeClr>
-              </a:gs>
-            </a:gsLst>
-          </a:gradFill>
+          <a:solidFill>
+            <a:srgbClr val="00B050">
+              <a:alpha val="10000"/>
+            </a:srgbClr>
+          </a:solidFill>
           <a:ln>
-            <a:solidFill>
-              <a:schemeClr val="accent1">
-                <a:lumMod val="50000"/>
-              </a:schemeClr>
-            </a:solidFill>
+            <a:noFill/>
           </a:ln>
           <a:effectLst/>
-          <a:scene3d>
-            <a:camera prst="perspectiveFront"/>
-            <a:lightRig rig="threePt" dir="t"/>
-          </a:scene3d>
         </p:spPr>
         <p:style>
           <a:lnRef idx="1">
@@ -3503,6 +3483,805 @@
 </file>
 
 <file path=ppt/slides/slide2.xml><?xml version="1.0" encoding="utf-8"?>
+<p:sld xmlns:a="http://schemas.openxmlformats.org/drawingml/2006/main" xmlns:r="http://schemas.openxmlformats.org/officeDocument/2006/relationships" xmlns:p="http://schemas.openxmlformats.org/presentationml/2006/main">
+  <p:cSld>
+    <p:spTree>
+      <p:nvGrpSpPr>
+        <p:cNvPr id="1" name=""/>
+        <p:cNvGrpSpPr/>
+        <p:nvPr/>
+      </p:nvGrpSpPr>
+      <p:grpSpPr>
+        <a:xfrm>
+          <a:off x="0" y="0"/>
+          <a:ext cx="0" cy="0"/>
+          <a:chOff x="0" y="0"/>
+          <a:chExt cx="0" cy="0"/>
+        </a:xfrm>
+      </p:grpSpPr>
+      <p:sp>
+        <p:nvSpPr>
+          <p:cNvPr id="4" name="椭圆 3"/>
+          <p:cNvSpPr/>
+          <p:nvPr/>
+        </p:nvSpPr>
+        <p:spPr>
+          <a:xfrm>
+            <a:off x="3059832" y="1052736"/>
+            <a:ext cx="3744416" cy="3744416"/>
+          </a:xfrm>
+          <a:custGeom>
+            <a:avLst/>
+            <a:gdLst>
+              <a:gd name="connsiteX0" fmla="*/ 0 w 3744416"/>
+              <a:gd name="connsiteY0" fmla="*/ 1872208 h 3744416"/>
+              <a:gd name="connsiteX1" fmla="*/ 1872208 w 3744416"/>
+              <a:gd name="connsiteY1" fmla="*/ 0 h 3744416"/>
+              <a:gd name="connsiteX2" fmla="*/ 3744416 w 3744416"/>
+              <a:gd name="connsiteY2" fmla="*/ 1872208 h 3744416"/>
+              <a:gd name="connsiteX3" fmla="*/ 1872208 w 3744416"/>
+              <a:gd name="connsiteY3" fmla="*/ 3744416 h 3744416"/>
+              <a:gd name="connsiteX4" fmla="*/ 0 w 3744416"/>
+              <a:gd name="connsiteY4" fmla="*/ 1872208 h 3744416"/>
+              <a:gd name="connsiteX0" fmla="*/ 0 w 3744416"/>
+              <a:gd name="connsiteY0" fmla="*/ 1872208 h 3744416"/>
+              <a:gd name="connsiteX1" fmla="*/ 1872208 w 3744416"/>
+              <a:gd name="connsiteY1" fmla="*/ 0 h 3744416"/>
+              <a:gd name="connsiteX2" fmla="*/ 3744416 w 3744416"/>
+              <a:gd name="connsiteY2" fmla="*/ 1872208 h 3744416"/>
+              <a:gd name="connsiteX3" fmla="*/ 1872208 w 3744416"/>
+              <a:gd name="connsiteY3" fmla="*/ 3744416 h 3744416"/>
+              <a:gd name="connsiteX4" fmla="*/ 0 w 3744416"/>
+              <a:gd name="connsiteY4" fmla="*/ 1872208 h 3744416"/>
+              <a:gd name="connsiteX0" fmla="*/ 0 w 3744416"/>
+              <a:gd name="connsiteY0" fmla="*/ 1872208 h 3744416"/>
+              <a:gd name="connsiteX1" fmla="*/ 962474 w 3744416"/>
+              <a:gd name="connsiteY1" fmla="*/ 885371 h 3744416"/>
+              <a:gd name="connsiteX2" fmla="*/ 1872208 w 3744416"/>
+              <a:gd name="connsiteY2" fmla="*/ 0 h 3744416"/>
+              <a:gd name="connsiteX3" fmla="*/ 3744416 w 3744416"/>
+              <a:gd name="connsiteY3" fmla="*/ 1872208 h 3744416"/>
+              <a:gd name="connsiteX4" fmla="*/ 1872208 w 3744416"/>
+              <a:gd name="connsiteY4" fmla="*/ 3744416 h 3744416"/>
+              <a:gd name="connsiteX5" fmla="*/ 0 w 3744416"/>
+              <a:gd name="connsiteY5" fmla="*/ 1872208 h 3744416"/>
+              <a:gd name="connsiteX0" fmla="*/ 962474 w 3744416"/>
+              <a:gd name="connsiteY0" fmla="*/ 885371 h 3744416"/>
+              <a:gd name="connsiteX1" fmla="*/ 1872208 w 3744416"/>
+              <a:gd name="connsiteY1" fmla="*/ 0 h 3744416"/>
+              <a:gd name="connsiteX2" fmla="*/ 3744416 w 3744416"/>
+              <a:gd name="connsiteY2" fmla="*/ 1872208 h 3744416"/>
+              <a:gd name="connsiteX3" fmla="*/ 1872208 w 3744416"/>
+              <a:gd name="connsiteY3" fmla="*/ 3744416 h 3744416"/>
+              <a:gd name="connsiteX4" fmla="*/ 0 w 3744416"/>
+              <a:gd name="connsiteY4" fmla="*/ 1872208 h 3744416"/>
+              <a:gd name="connsiteX5" fmla="*/ 1053914 w 3744416"/>
+              <a:gd name="connsiteY5" fmla="*/ 976811 h 3744416"/>
+              <a:gd name="connsiteX0" fmla="*/ 962474 w 3744416"/>
+              <a:gd name="connsiteY0" fmla="*/ 885371 h 3744416"/>
+              <a:gd name="connsiteX1" fmla="*/ 1872208 w 3744416"/>
+              <a:gd name="connsiteY1" fmla="*/ 0 h 3744416"/>
+              <a:gd name="connsiteX2" fmla="*/ 3744416 w 3744416"/>
+              <a:gd name="connsiteY2" fmla="*/ 1872208 h 3744416"/>
+              <a:gd name="connsiteX3" fmla="*/ 1872208 w 3744416"/>
+              <a:gd name="connsiteY3" fmla="*/ 3744416 h 3744416"/>
+              <a:gd name="connsiteX4" fmla="*/ 0 w 3744416"/>
+              <a:gd name="connsiteY4" fmla="*/ 1872208 h 3744416"/>
+              <a:gd name="connsiteX5" fmla="*/ 1053914 w 3744416"/>
+              <a:gd name="connsiteY5" fmla="*/ 976811 h 3744416"/>
+              <a:gd name="connsiteX0" fmla="*/ 962474 w 3744416"/>
+              <a:gd name="connsiteY0" fmla="*/ 885371 h 3744416"/>
+              <a:gd name="connsiteX1" fmla="*/ 1872208 w 3744416"/>
+              <a:gd name="connsiteY1" fmla="*/ 0 h 3744416"/>
+              <a:gd name="connsiteX2" fmla="*/ 3744416 w 3744416"/>
+              <a:gd name="connsiteY2" fmla="*/ 1872208 h 3744416"/>
+              <a:gd name="connsiteX3" fmla="*/ 1872208 w 3744416"/>
+              <a:gd name="connsiteY3" fmla="*/ 3744416 h 3744416"/>
+              <a:gd name="connsiteX4" fmla="*/ 0 w 3744416"/>
+              <a:gd name="connsiteY4" fmla="*/ 1872208 h 3744416"/>
+              <a:gd name="connsiteX5" fmla="*/ 1053914 w 3744416"/>
+              <a:gd name="connsiteY5" fmla="*/ 976811 h 3744416"/>
+              <a:gd name="connsiteX0" fmla="*/ 962474 w 3744416"/>
+              <a:gd name="connsiteY0" fmla="*/ 885371 h 3744416"/>
+              <a:gd name="connsiteX1" fmla="*/ 1872208 w 3744416"/>
+              <a:gd name="connsiteY1" fmla="*/ 0 h 3744416"/>
+              <a:gd name="connsiteX2" fmla="*/ 3744416 w 3744416"/>
+              <a:gd name="connsiteY2" fmla="*/ 1872208 h 3744416"/>
+              <a:gd name="connsiteX3" fmla="*/ 1872208 w 3744416"/>
+              <a:gd name="connsiteY3" fmla="*/ 3744416 h 3744416"/>
+              <a:gd name="connsiteX4" fmla="*/ 0 w 3744416"/>
+              <a:gd name="connsiteY4" fmla="*/ 1872208 h 3744416"/>
+              <a:gd name="connsiteX5" fmla="*/ 1053914 w 3744416"/>
+              <a:gd name="connsiteY5" fmla="*/ 976811 h 3744416"/>
+              <a:gd name="connsiteX0" fmla="*/ 962474 w 3744416"/>
+              <a:gd name="connsiteY0" fmla="*/ 885371 h 3744416"/>
+              <a:gd name="connsiteX1" fmla="*/ 1872208 w 3744416"/>
+              <a:gd name="connsiteY1" fmla="*/ 0 h 3744416"/>
+              <a:gd name="connsiteX2" fmla="*/ 3744416 w 3744416"/>
+              <a:gd name="connsiteY2" fmla="*/ 1872208 h 3744416"/>
+              <a:gd name="connsiteX3" fmla="*/ 1872208 w 3744416"/>
+              <a:gd name="connsiteY3" fmla="*/ 3744416 h 3744416"/>
+              <a:gd name="connsiteX4" fmla="*/ 0 w 3744416"/>
+              <a:gd name="connsiteY4" fmla="*/ 1872208 h 3744416"/>
+              <a:gd name="connsiteX5" fmla="*/ 1242600 w 3744416"/>
+              <a:gd name="connsiteY5" fmla="*/ 1804126 h 3744416"/>
+              <a:gd name="connsiteX0" fmla="*/ 962474 w 3744416"/>
+              <a:gd name="connsiteY0" fmla="*/ 885371 h 3744416"/>
+              <a:gd name="connsiteX1" fmla="*/ 1872208 w 3744416"/>
+              <a:gd name="connsiteY1" fmla="*/ 0 h 3744416"/>
+              <a:gd name="connsiteX2" fmla="*/ 3744416 w 3744416"/>
+              <a:gd name="connsiteY2" fmla="*/ 1872208 h 3744416"/>
+              <a:gd name="connsiteX3" fmla="*/ 1872208 w 3744416"/>
+              <a:gd name="connsiteY3" fmla="*/ 3744416 h 3744416"/>
+              <a:gd name="connsiteX4" fmla="*/ 0 w 3744416"/>
+              <a:gd name="connsiteY4" fmla="*/ 1872208 h 3744416"/>
+              <a:gd name="connsiteX5" fmla="*/ 1329686 w 3744416"/>
+              <a:gd name="connsiteY5" fmla="*/ 2587897 h 3744416"/>
+              <a:gd name="connsiteX0" fmla="*/ 962474 w 3744416"/>
+              <a:gd name="connsiteY0" fmla="*/ 885371 h 3744416"/>
+              <a:gd name="connsiteX1" fmla="*/ 1872208 w 3744416"/>
+              <a:gd name="connsiteY1" fmla="*/ 0 h 3744416"/>
+              <a:gd name="connsiteX2" fmla="*/ 3744416 w 3744416"/>
+              <a:gd name="connsiteY2" fmla="*/ 1872208 h 3744416"/>
+              <a:gd name="connsiteX3" fmla="*/ 1872208 w 3744416"/>
+              <a:gd name="connsiteY3" fmla="*/ 3744416 h 3744416"/>
+              <a:gd name="connsiteX4" fmla="*/ 0 w 3744416"/>
+              <a:gd name="connsiteY4" fmla="*/ 1872208 h 3744416"/>
+              <a:gd name="connsiteX5" fmla="*/ 1329686 w 3744416"/>
+              <a:gd name="connsiteY5" fmla="*/ 2587897 h 3744416"/>
+              <a:gd name="connsiteX0" fmla="*/ 962474 w 3744416"/>
+              <a:gd name="connsiteY0" fmla="*/ 885371 h 3744416"/>
+              <a:gd name="connsiteX1" fmla="*/ 1872208 w 3744416"/>
+              <a:gd name="connsiteY1" fmla="*/ 0 h 3744416"/>
+              <a:gd name="connsiteX2" fmla="*/ 3744416 w 3744416"/>
+              <a:gd name="connsiteY2" fmla="*/ 1872208 h 3744416"/>
+              <a:gd name="connsiteX3" fmla="*/ 1872208 w 3744416"/>
+              <a:gd name="connsiteY3" fmla="*/ 3744416 h 3744416"/>
+              <a:gd name="connsiteX4" fmla="*/ 0 w 3744416"/>
+              <a:gd name="connsiteY4" fmla="*/ 1872208 h 3744416"/>
+              <a:gd name="connsiteX5" fmla="*/ 1329686 w 3744416"/>
+              <a:gd name="connsiteY5" fmla="*/ 2587897 h 3744416"/>
+              <a:gd name="connsiteX0" fmla="*/ 962474 w 3744416"/>
+              <a:gd name="connsiteY0" fmla="*/ 885371 h 3744416"/>
+              <a:gd name="connsiteX1" fmla="*/ 1872208 w 3744416"/>
+              <a:gd name="connsiteY1" fmla="*/ 0 h 3744416"/>
+              <a:gd name="connsiteX2" fmla="*/ 3744416 w 3744416"/>
+              <a:gd name="connsiteY2" fmla="*/ 1872208 h 3744416"/>
+              <a:gd name="connsiteX3" fmla="*/ 1872208 w 3744416"/>
+              <a:gd name="connsiteY3" fmla="*/ 3744416 h 3744416"/>
+              <a:gd name="connsiteX4" fmla="*/ 0 w 3744416"/>
+              <a:gd name="connsiteY4" fmla="*/ 1872208 h 3744416"/>
+              <a:gd name="connsiteX5" fmla="*/ 1329686 w 3744416"/>
+              <a:gd name="connsiteY5" fmla="*/ 2587897 h 3744416"/>
+              <a:gd name="connsiteX0" fmla="*/ 2022017 w 3744416"/>
+              <a:gd name="connsiteY0" fmla="*/ 1117599 h 3744416"/>
+              <a:gd name="connsiteX1" fmla="*/ 1872208 w 3744416"/>
+              <a:gd name="connsiteY1" fmla="*/ 0 h 3744416"/>
+              <a:gd name="connsiteX2" fmla="*/ 3744416 w 3744416"/>
+              <a:gd name="connsiteY2" fmla="*/ 1872208 h 3744416"/>
+              <a:gd name="connsiteX3" fmla="*/ 1872208 w 3744416"/>
+              <a:gd name="connsiteY3" fmla="*/ 3744416 h 3744416"/>
+              <a:gd name="connsiteX4" fmla="*/ 0 w 3744416"/>
+              <a:gd name="connsiteY4" fmla="*/ 1872208 h 3744416"/>
+              <a:gd name="connsiteX5" fmla="*/ 1329686 w 3744416"/>
+              <a:gd name="connsiteY5" fmla="*/ 2587897 h 3744416"/>
+              <a:gd name="connsiteX0" fmla="*/ 2733217 w 3744416"/>
+              <a:gd name="connsiteY0" fmla="*/ 1103084 h 3744416"/>
+              <a:gd name="connsiteX1" fmla="*/ 1872208 w 3744416"/>
+              <a:gd name="connsiteY1" fmla="*/ 0 h 3744416"/>
+              <a:gd name="connsiteX2" fmla="*/ 3744416 w 3744416"/>
+              <a:gd name="connsiteY2" fmla="*/ 1872208 h 3744416"/>
+              <a:gd name="connsiteX3" fmla="*/ 1872208 w 3744416"/>
+              <a:gd name="connsiteY3" fmla="*/ 3744416 h 3744416"/>
+              <a:gd name="connsiteX4" fmla="*/ 0 w 3744416"/>
+              <a:gd name="connsiteY4" fmla="*/ 1872208 h 3744416"/>
+              <a:gd name="connsiteX5" fmla="*/ 1329686 w 3744416"/>
+              <a:gd name="connsiteY5" fmla="*/ 2587897 h 3744416"/>
+              <a:gd name="connsiteX0" fmla="*/ 2733217 w 3744416"/>
+              <a:gd name="connsiteY0" fmla="*/ 1103084 h 3744416"/>
+              <a:gd name="connsiteX1" fmla="*/ 1872208 w 3744416"/>
+              <a:gd name="connsiteY1" fmla="*/ 0 h 3744416"/>
+              <a:gd name="connsiteX2" fmla="*/ 3744416 w 3744416"/>
+              <a:gd name="connsiteY2" fmla="*/ 1872208 h 3744416"/>
+              <a:gd name="connsiteX3" fmla="*/ 1872208 w 3744416"/>
+              <a:gd name="connsiteY3" fmla="*/ 3744416 h 3744416"/>
+              <a:gd name="connsiteX4" fmla="*/ 0 w 3744416"/>
+              <a:gd name="connsiteY4" fmla="*/ 1872208 h 3744416"/>
+              <a:gd name="connsiteX5" fmla="*/ 1053915 w 3744416"/>
+              <a:gd name="connsiteY5" fmla="*/ 1455783 h 3744416"/>
+              <a:gd name="connsiteX0" fmla="*/ 2733217 w 3744416"/>
+              <a:gd name="connsiteY0" fmla="*/ 1103084 h 3744416"/>
+              <a:gd name="connsiteX1" fmla="*/ 1872208 w 3744416"/>
+              <a:gd name="connsiteY1" fmla="*/ 0 h 3744416"/>
+              <a:gd name="connsiteX2" fmla="*/ 3744416 w 3744416"/>
+              <a:gd name="connsiteY2" fmla="*/ 1872208 h 3744416"/>
+              <a:gd name="connsiteX3" fmla="*/ 1872208 w 3744416"/>
+              <a:gd name="connsiteY3" fmla="*/ 3744416 h 3744416"/>
+              <a:gd name="connsiteX4" fmla="*/ 0 w 3744416"/>
+              <a:gd name="connsiteY4" fmla="*/ 1872208 h 3744416"/>
+              <a:gd name="connsiteX5" fmla="*/ 792658 w 3744416"/>
+              <a:gd name="connsiteY5" fmla="*/ 454297 h 3744416"/>
+              <a:gd name="connsiteX0" fmla="*/ 2733217 w 3744416"/>
+              <a:gd name="connsiteY0" fmla="*/ 1103084 h 3744416"/>
+              <a:gd name="connsiteX1" fmla="*/ 1872208 w 3744416"/>
+              <a:gd name="connsiteY1" fmla="*/ 0 h 3744416"/>
+              <a:gd name="connsiteX2" fmla="*/ 3744416 w 3744416"/>
+              <a:gd name="connsiteY2" fmla="*/ 1872208 h 3744416"/>
+              <a:gd name="connsiteX3" fmla="*/ 1872208 w 3744416"/>
+              <a:gd name="connsiteY3" fmla="*/ 3744416 h 3744416"/>
+              <a:gd name="connsiteX4" fmla="*/ 0 w 3744416"/>
+              <a:gd name="connsiteY4" fmla="*/ 1872208 h 3744416"/>
+              <a:gd name="connsiteX5" fmla="*/ 226601 w 3744416"/>
+              <a:gd name="connsiteY5" fmla="*/ 454297 h 3744416"/>
+              <a:gd name="connsiteX0" fmla="*/ 2210703 w 3744416"/>
+              <a:gd name="connsiteY0" fmla="*/ 2728684 h 3744416"/>
+              <a:gd name="connsiteX1" fmla="*/ 1872208 w 3744416"/>
+              <a:gd name="connsiteY1" fmla="*/ 0 h 3744416"/>
+              <a:gd name="connsiteX2" fmla="*/ 3744416 w 3744416"/>
+              <a:gd name="connsiteY2" fmla="*/ 1872208 h 3744416"/>
+              <a:gd name="connsiteX3" fmla="*/ 1872208 w 3744416"/>
+              <a:gd name="connsiteY3" fmla="*/ 3744416 h 3744416"/>
+              <a:gd name="connsiteX4" fmla="*/ 0 w 3744416"/>
+              <a:gd name="connsiteY4" fmla="*/ 1872208 h 3744416"/>
+              <a:gd name="connsiteX5" fmla="*/ 226601 w 3744416"/>
+              <a:gd name="connsiteY5" fmla="*/ 454297 h 3744416"/>
+              <a:gd name="connsiteX0" fmla="*/ 2210703 w 3744416"/>
+              <a:gd name="connsiteY0" fmla="*/ 2728684 h 3744416"/>
+              <a:gd name="connsiteX1" fmla="*/ 1872208 w 3744416"/>
+              <a:gd name="connsiteY1" fmla="*/ 0 h 3744416"/>
+              <a:gd name="connsiteX2" fmla="*/ 3744416 w 3744416"/>
+              <a:gd name="connsiteY2" fmla="*/ 1872208 h 3744416"/>
+              <a:gd name="connsiteX3" fmla="*/ 1872208 w 3744416"/>
+              <a:gd name="connsiteY3" fmla="*/ 3744416 h 3744416"/>
+              <a:gd name="connsiteX4" fmla="*/ 0 w 3744416"/>
+              <a:gd name="connsiteY4" fmla="*/ 1872208 h 3744416"/>
+              <a:gd name="connsiteX5" fmla="*/ 226601 w 3744416"/>
+              <a:gd name="connsiteY5" fmla="*/ 454297 h 3744416"/>
+              <a:gd name="connsiteX0" fmla="*/ 2210703 w 3744416"/>
+              <a:gd name="connsiteY0" fmla="*/ 2728684 h 3744416"/>
+              <a:gd name="connsiteX1" fmla="*/ 1872208 w 3744416"/>
+              <a:gd name="connsiteY1" fmla="*/ 0 h 3744416"/>
+              <a:gd name="connsiteX2" fmla="*/ 3744416 w 3744416"/>
+              <a:gd name="connsiteY2" fmla="*/ 1872208 h 3744416"/>
+              <a:gd name="connsiteX3" fmla="*/ 1872208 w 3744416"/>
+              <a:gd name="connsiteY3" fmla="*/ 3744416 h 3744416"/>
+              <a:gd name="connsiteX4" fmla="*/ 0 w 3744416"/>
+              <a:gd name="connsiteY4" fmla="*/ 1872208 h 3744416"/>
+              <a:gd name="connsiteX5" fmla="*/ 226601 w 3744416"/>
+              <a:gd name="connsiteY5" fmla="*/ 454297 h 3744416"/>
+              <a:gd name="connsiteX0" fmla="*/ 2210703 w 3744416"/>
+              <a:gd name="connsiteY0" fmla="*/ 2728684 h 3744416"/>
+              <a:gd name="connsiteX1" fmla="*/ 1872208 w 3744416"/>
+              <a:gd name="connsiteY1" fmla="*/ 0 h 3744416"/>
+              <a:gd name="connsiteX2" fmla="*/ 3744416 w 3744416"/>
+              <a:gd name="connsiteY2" fmla="*/ 1872208 h 3744416"/>
+              <a:gd name="connsiteX3" fmla="*/ 1872208 w 3744416"/>
+              <a:gd name="connsiteY3" fmla="*/ 3744416 h 3744416"/>
+              <a:gd name="connsiteX4" fmla="*/ 0 w 3744416"/>
+              <a:gd name="connsiteY4" fmla="*/ 1872208 h 3744416"/>
+              <a:gd name="connsiteX5" fmla="*/ 226601 w 3744416"/>
+              <a:gd name="connsiteY5" fmla="*/ 454297 h 3744416"/>
+              <a:gd name="connsiteX6" fmla="*/ 2210703 w 3744416"/>
+              <a:gd name="connsiteY6" fmla="*/ 2728684 h 3744416"/>
+              <a:gd name="connsiteX0" fmla="*/ 2210703 w 3744416"/>
+              <a:gd name="connsiteY0" fmla="*/ 2728684 h 3744416"/>
+              <a:gd name="connsiteX1" fmla="*/ 1872208 w 3744416"/>
+              <a:gd name="connsiteY1" fmla="*/ 0 h 3744416"/>
+              <a:gd name="connsiteX2" fmla="*/ 3744416 w 3744416"/>
+              <a:gd name="connsiteY2" fmla="*/ 1872208 h 3744416"/>
+              <a:gd name="connsiteX3" fmla="*/ 1872208 w 3744416"/>
+              <a:gd name="connsiteY3" fmla="*/ 3744416 h 3744416"/>
+              <a:gd name="connsiteX4" fmla="*/ 0 w 3744416"/>
+              <a:gd name="connsiteY4" fmla="*/ 1872208 h 3744416"/>
+              <a:gd name="connsiteX5" fmla="*/ 226601 w 3744416"/>
+              <a:gd name="connsiteY5" fmla="*/ 454297 h 3744416"/>
+              <a:gd name="connsiteX6" fmla="*/ 2210703 w 3744416"/>
+              <a:gd name="connsiteY6" fmla="*/ 2728684 h 3744416"/>
+            </a:gdLst>
+            <a:ahLst/>
+            <a:cxnLst>
+              <a:cxn ang="0">
+                <a:pos x="connsiteX0" y="connsiteY0"/>
+              </a:cxn>
+              <a:cxn ang="0">
+                <a:pos x="connsiteX1" y="connsiteY1"/>
+              </a:cxn>
+              <a:cxn ang="0">
+                <a:pos x="connsiteX2" y="connsiteY2"/>
+              </a:cxn>
+              <a:cxn ang="0">
+                <a:pos x="connsiteX3" y="connsiteY3"/>
+              </a:cxn>
+              <a:cxn ang="0">
+                <a:pos x="connsiteX4" y="connsiteY4"/>
+              </a:cxn>
+              <a:cxn ang="0">
+                <a:pos x="connsiteX5" y="connsiteY5"/>
+              </a:cxn>
+              <a:cxn ang="0">
+                <a:pos x="connsiteX6" y="connsiteY6"/>
+              </a:cxn>
+            </a:cxnLst>
+            <a:rect l="l" t="t" r="r" b="b"/>
+            <a:pathLst>
+              <a:path w="3744416" h="3744416">
+                <a:moveTo>
+                  <a:pt x="2210703" y="2728684"/>
+                </a:moveTo>
+                <a:cubicBezTo>
+                  <a:pt x="443242" y="266094"/>
+                  <a:pt x="1985040" y="909561"/>
+                  <a:pt x="1872208" y="0"/>
+                </a:cubicBezTo>
+                <a:cubicBezTo>
+                  <a:pt x="3127626" y="123304"/>
+                  <a:pt x="3744416" y="838216"/>
+                  <a:pt x="3744416" y="1872208"/>
+                </a:cubicBezTo>
+                <a:cubicBezTo>
+                  <a:pt x="3744416" y="2906200"/>
+                  <a:pt x="2906200" y="3744416"/>
+                  <a:pt x="1872208" y="3744416"/>
+                </a:cubicBezTo>
+                <a:cubicBezTo>
+                  <a:pt x="838216" y="3744416"/>
+                  <a:pt x="0" y="2906200"/>
+                  <a:pt x="0" y="1872208"/>
+                </a:cubicBezTo>
+                <a:cubicBezTo>
+                  <a:pt x="320825" y="1543262"/>
+                  <a:pt x="226601" y="454297"/>
+                  <a:pt x="226601" y="454297"/>
+                </a:cubicBezTo>
+                <a:cubicBezTo>
+                  <a:pt x="1062139" y="443169"/>
+                  <a:pt x="1549336" y="1970555"/>
+                  <a:pt x="2210703" y="2728684"/>
+                </a:cubicBezTo>
+                <a:close/>
+              </a:path>
+            </a:pathLst>
+          </a:custGeom>
+          <a:ln>
+            <a:noFill/>
+          </a:ln>
+          <a:effectLst/>
+        </p:spPr>
+        <p:style>
+          <a:lnRef idx="1">
+            <a:schemeClr val="accent3"/>
+          </a:lnRef>
+          <a:fillRef idx="2">
+            <a:schemeClr val="accent3"/>
+          </a:fillRef>
+          <a:effectRef idx="1">
+            <a:schemeClr val="accent3"/>
+          </a:effectRef>
+          <a:fontRef idx="minor">
+            <a:schemeClr val="dk1"/>
+          </a:fontRef>
+        </p:style>
+        <p:txBody>
+          <a:bodyPr rtlCol="0" anchor="ctr"/>
+          <a:lstStyle/>
+          <a:p>
+            <a:pPr algn="ctr"/>
+            <a:endParaRPr lang="zh-CN" altLang="en-US" dirty="0"/>
+          </a:p>
+        </p:txBody>
+      </p:sp>
+    </p:spTree>
+    <p:extLst>
+      <p:ext uri="{BB962C8B-B14F-4D97-AF65-F5344CB8AC3E}">
+        <p14:creationId xmlns:p14="http://schemas.microsoft.com/office/powerpoint/2010/main" val="1948895668"/>
+      </p:ext>
+    </p:extLst>
+  </p:cSld>
+  <p:clrMapOvr>
+    <a:masterClrMapping/>
+  </p:clrMapOvr>
+</p:sld>
+</file>
+
+<file path=ppt/slides/slide3.xml><?xml version="1.0" encoding="utf-8"?>
+<p:sld xmlns:a="http://schemas.openxmlformats.org/drawingml/2006/main" xmlns:r="http://schemas.openxmlformats.org/officeDocument/2006/relationships" xmlns:p="http://schemas.openxmlformats.org/presentationml/2006/main">
+  <p:cSld>
+    <p:spTree>
+      <p:nvGrpSpPr>
+        <p:cNvPr id="1" name=""/>
+        <p:cNvGrpSpPr/>
+        <p:nvPr/>
+      </p:nvGrpSpPr>
+      <p:grpSpPr>
+        <a:xfrm>
+          <a:off x="0" y="0"/>
+          <a:ext cx="0" cy="0"/>
+          <a:chOff x="0" y="0"/>
+          <a:chExt cx="0" cy="0"/>
+        </a:xfrm>
+      </p:grpSpPr>
+      <p:sp>
+        <p:nvSpPr>
+          <p:cNvPr id="4" name="椭圆 3"/>
+          <p:cNvSpPr/>
+          <p:nvPr/>
+        </p:nvSpPr>
+        <p:spPr>
+          <a:xfrm>
+            <a:off x="3059832" y="1052736"/>
+            <a:ext cx="3744416" cy="3744416"/>
+          </a:xfrm>
+          <a:custGeom>
+            <a:avLst/>
+            <a:gdLst>
+              <a:gd name="connsiteX0" fmla="*/ 0 w 3744416"/>
+              <a:gd name="connsiteY0" fmla="*/ 1872208 h 3744416"/>
+              <a:gd name="connsiteX1" fmla="*/ 1872208 w 3744416"/>
+              <a:gd name="connsiteY1" fmla="*/ 0 h 3744416"/>
+              <a:gd name="connsiteX2" fmla="*/ 3744416 w 3744416"/>
+              <a:gd name="connsiteY2" fmla="*/ 1872208 h 3744416"/>
+              <a:gd name="connsiteX3" fmla="*/ 1872208 w 3744416"/>
+              <a:gd name="connsiteY3" fmla="*/ 3744416 h 3744416"/>
+              <a:gd name="connsiteX4" fmla="*/ 0 w 3744416"/>
+              <a:gd name="connsiteY4" fmla="*/ 1872208 h 3744416"/>
+              <a:gd name="connsiteX0" fmla="*/ 0 w 3744416"/>
+              <a:gd name="connsiteY0" fmla="*/ 1872208 h 3744416"/>
+              <a:gd name="connsiteX1" fmla="*/ 1872208 w 3744416"/>
+              <a:gd name="connsiteY1" fmla="*/ 0 h 3744416"/>
+              <a:gd name="connsiteX2" fmla="*/ 3744416 w 3744416"/>
+              <a:gd name="connsiteY2" fmla="*/ 1872208 h 3744416"/>
+              <a:gd name="connsiteX3" fmla="*/ 1872208 w 3744416"/>
+              <a:gd name="connsiteY3" fmla="*/ 3744416 h 3744416"/>
+              <a:gd name="connsiteX4" fmla="*/ 0 w 3744416"/>
+              <a:gd name="connsiteY4" fmla="*/ 1872208 h 3744416"/>
+              <a:gd name="connsiteX0" fmla="*/ 0 w 3744416"/>
+              <a:gd name="connsiteY0" fmla="*/ 1872208 h 3744416"/>
+              <a:gd name="connsiteX1" fmla="*/ 962474 w 3744416"/>
+              <a:gd name="connsiteY1" fmla="*/ 885371 h 3744416"/>
+              <a:gd name="connsiteX2" fmla="*/ 1872208 w 3744416"/>
+              <a:gd name="connsiteY2" fmla="*/ 0 h 3744416"/>
+              <a:gd name="connsiteX3" fmla="*/ 3744416 w 3744416"/>
+              <a:gd name="connsiteY3" fmla="*/ 1872208 h 3744416"/>
+              <a:gd name="connsiteX4" fmla="*/ 1872208 w 3744416"/>
+              <a:gd name="connsiteY4" fmla="*/ 3744416 h 3744416"/>
+              <a:gd name="connsiteX5" fmla="*/ 0 w 3744416"/>
+              <a:gd name="connsiteY5" fmla="*/ 1872208 h 3744416"/>
+              <a:gd name="connsiteX0" fmla="*/ 962474 w 3744416"/>
+              <a:gd name="connsiteY0" fmla="*/ 885371 h 3744416"/>
+              <a:gd name="connsiteX1" fmla="*/ 1872208 w 3744416"/>
+              <a:gd name="connsiteY1" fmla="*/ 0 h 3744416"/>
+              <a:gd name="connsiteX2" fmla="*/ 3744416 w 3744416"/>
+              <a:gd name="connsiteY2" fmla="*/ 1872208 h 3744416"/>
+              <a:gd name="connsiteX3" fmla="*/ 1872208 w 3744416"/>
+              <a:gd name="connsiteY3" fmla="*/ 3744416 h 3744416"/>
+              <a:gd name="connsiteX4" fmla="*/ 0 w 3744416"/>
+              <a:gd name="connsiteY4" fmla="*/ 1872208 h 3744416"/>
+              <a:gd name="connsiteX5" fmla="*/ 1053914 w 3744416"/>
+              <a:gd name="connsiteY5" fmla="*/ 976811 h 3744416"/>
+              <a:gd name="connsiteX0" fmla="*/ 962474 w 3744416"/>
+              <a:gd name="connsiteY0" fmla="*/ 885371 h 3744416"/>
+              <a:gd name="connsiteX1" fmla="*/ 1872208 w 3744416"/>
+              <a:gd name="connsiteY1" fmla="*/ 0 h 3744416"/>
+              <a:gd name="connsiteX2" fmla="*/ 3744416 w 3744416"/>
+              <a:gd name="connsiteY2" fmla="*/ 1872208 h 3744416"/>
+              <a:gd name="connsiteX3" fmla="*/ 1872208 w 3744416"/>
+              <a:gd name="connsiteY3" fmla="*/ 3744416 h 3744416"/>
+              <a:gd name="connsiteX4" fmla="*/ 0 w 3744416"/>
+              <a:gd name="connsiteY4" fmla="*/ 1872208 h 3744416"/>
+              <a:gd name="connsiteX5" fmla="*/ 1053914 w 3744416"/>
+              <a:gd name="connsiteY5" fmla="*/ 976811 h 3744416"/>
+              <a:gd name="connsiteX0" fmla="*/ 962474 w 3744416"/>
+              <a:gd name="connsiteY0" fmla="*/ 885371 h 3744416"/>
+              <a:gd name="connsiteX1" fmla="*/ 1872208 w 3744416"/>
+              <a:gd name="connsiteY1" fmla="*/ 0 h 3744416"/>
+              <a:gd name="connsiteX2" fmla="*/ 3744416 w 3744416"/>
+              <a:gd name="connsiteY2" fmla="*/ 1872208 h 3744416"/>
+              <a:gd name="connsiteX3" fmla="*/ 1872208 w 3744416"/>
+              <a:gd name="connsiteY3" fmla="*/ 3744416 h 3744416"/>
+              <a:gd name="connsiteX4" fmla="*/ 0 w 3744416"/>
+              <a:gd name="connsiteY4" fmla="*/ 1872208 h 3744416"/>
+              <a:gd name="connsiteX5" fmla="*/ 1053914 w 3744416"/>
+              <a:gd name="connsiteY5" fmla="*/ 976811 h 3744416"/>
+              <a:gd name="connsiteX0" fmla="*/ 962474 w 3744416"/>
+              <a:gd name="connsiteY0" fmla="*/ 885371 h 3744416"/>
+              <a:gd name="connsiteX1" fmla="*/ 1872208 w 3744416"/>
+              <a:gd name="connsiteY1" fmla="*/ 0 h 3744416"/>
+              <a:gd name="connsiteX2" fmla="*/ 3744416 w 3744416"/>
+              <a:gd name="connsiteY2" fmla="*/ 1872208 h 3744416"/>
+              <a:gd name="connsiteX3" fmla="*/ 1872208 w 3744416"/>
+              <a:gd name="connsiteY3" fmla="*/ 3744416 h 3744416"/>
+              <a:gd name="connsiteX4" fmla="*/ 0 w 3744416"/>
+              <a:gd name="connsiteY4" fmla="*/ 1872208 h 3744416"/>
+              <a:gd name="connsiteX5" fmla="*/ 1053914 w 3744416"/>
+              <a:gd name="connsiteY5" fmla="*/ 976811 h 3744416"/>
+              <a:gd name="connsiteX0" fmla="*/ 962474 w 3744416"/>
+              <a:gd name="connsiteY0" fmla="*/ 885371 h 3744416"/>
+              <a:gd name="connsiteX1" fmla="*/ 1872208 w 3744416"/>
+              <a:gd name="connsiteY1" fmla="*/ 0 h 3744416"/>
+              <a:gd name="connsiteX2" fmla="*/ 3744416 w 3744416"/>
+              <a:gd name="connsiteY2" fmla="*/ 1872208 h 3744416"/>
+              <a:gd name="connsiteX3" fmla="*/ 1872208 w 3744416"/>
+              <a:gd name="connsiteY3" fmla="*/ 3744416 h 3744416"/>
+              <a:gd name="connsiteX4" fmla="*/ 0 w 3744416"/>
+              <a:gd name="connsiteY4" fmla="*/ 1872208 h 3744416"/>
+              <a:gd name="connsiteX5" fmla="*/ 1242600 w 3744416"/>
+              <a:gd name="connsiteY5" fmla="*/ 1804126 h 3744416"/>
+              <a:gd name="connsiteX0" fmla="*/ 962474 w 3744416"/>
+              <a:gd name="connsiteY0" fmla="*/ 885371 h 3744416"/>
+              <a:gd name="connsiteX1" fmla="*/ 1872208 w 3744416"/>
+              <a:gd name="connsiteY1" fmla="*/ 0 h 3744416"/>
+              <a:gd name="connsiteX2" fmla="*/ 3744416 w 3744416"/>
+              <a:gd name="connsiteY2" fmla="*/ 1872208 h 3744416"/>
+              <a:gd name="connsiteX3" fmla="*/ 1872208 w 3744416"/>
+              <a:gd name="connsiteY3" fmla="*/ 3744416 h 3744416"/>
+              <a:gd name="connsiteX4" fmla="*/ 0 w 3744416"/>
+              <a:gd name="connsiteY4" fmla="*/ 1872208 h 3744416"/>
+              <a:gd name="connsiteX5" fmla="*/ 1329686 w 3744416"/>
+              <a:gd name="connsiteY5" fmla="*/ 2587897 h 3744416"/>
+              <a:gd name="connsiteX0" fmla="*/ 962474 w 3744416"/>
+              <a:gd name="connsiteY0" fmla="*/ 885371 h 3744416"/>
+              <a:gd name="connsiteX1" fmla="*/ 1872208 w 3744416"/>
+              <a:gd name="connsiteY1" fmla="*/ 0 h 3744416"/>
+              <a:gd name="connsiteX2" fmla="*/ 3744416 w 3744416"/>
+              <a:gd name="connsiteY2" fmla="*/ 1872208 h 3744416"/>
+              <a:gd name="connsiteX3" fmla="*/ 1872208 w 3744416"/>
+              <a:gd name="connsiteY3" fmla="*/ 3744416 h 3744416"/>
+              <a:gd name="connsiteX4" fmla="*/ 0 w 3744416"/>
+              <a:gd name="connsiteY4" fmla="*/ 1872208 h 3744416"/>
+              <a:gd name="connsiteX5" fmla="*/ 1329686 w 3744416"/>
+              <a:gd name="connsiteY5" fmla="*/ 2587897 h 3744416"/>
+              <a:gd name="connsiteX0" fmla="*/ 962474 w 3744416"/>
+              <a:gd name="connsiteY0" fmla="*/ 885371 h 3744416"/>
+              <a:gd name="connsiteX1" fmla="*/ 1872208 w 3744416"/>
+              <a:gd name="connsiteY1" fmla="*/ 0 h 3744416"/>
+              <a:gd name="connsiteX2" fmla="*/ 3744416 w 3744416"/>
+              <a:gd name="connsiteY2" fmla="*/ 1872208 h 3744416"/>
+              <a:gd name="connsiteX3" fmla="*/ 1872208 w 3744416"/>
+              <a:gd name="connsiteY3" fmla="*/ 3744416 h 3744416"/>
+              <a:gd name="connsiteX4" fmla="*/ 0 w 3744416"/>
+              <a:gd name="connsiteY4" fmla="*/ 1872208 h 3744416"/>
+              <a:gd name="connsiteX5" fmla="*/ 1329686 w 3744416"/>
+              <a:gd name="connsiteY5" fmla="*/ 2587897 h 3744416"/>
+              <a:gd name="connsiteX0" fmla="*/ 962474 w 3744416"/>
+              <a:gd name="connsiteY0" fmla="*/ 885371 h 3744416"/>
+              <a:gd name="connsiteX1" fmla="*/ 1872208 w 3744416"/>
+              <a:gd name="connsiteY1" fmla="*/ 0 h 3744416"/>
+              <a:gd name="connsiteX2" fmla="*/ 3744416 w 3744416"/>
+              <a:gd name="connsiteY2" fmla="*/ 1872208 h 3744416"/>
+              <a:gd name="connsiteX3" fmla="*/ 1872208 w 3744416"/>
+              <a:gd name="connsiteY3" fmla="*/ 3744416 h 3744416"/>
+              <a:gd name="connsiteX4" fmla="*/ 0 w 3744416"/>
+              <a:gd name="connsiteY4" fmla="*/ 1872208 h 3744416"/>
+              <a:gd name="connsiteX5" fmla="*/ 1329686 w 3744416"/>
+              <a:gd name="connsiteY5" fmla="*/ 2587897 h 3744416"/>
+              <a:gd name="connsiteX0" fmla="*/ 2022017 w 3744416"/>
+              <a:gd name="connsiteY0" fmla="*/ 1117599 h 3744416"/>
+              <a:gd name="connsiteX1" fmla="*/ 1872208 w 3744416"/>
+              <a:gd name="connsiteY1" fmla="*/ 0 h 3744416"/>
+              <a:gd name="connsiteX2" fmla="*/ 3744416 w 3744416"/>
+              <a:gd name="connsiteY2" fmla="*/ 1872208 h 3744416"/>
+              <a:gd name="connsiteX3" fmla="*/ 1872208 w 3744416"/>
+              <a:gd name="connsiteY3" fmla="*/ 3744416 h 3744416"/>
+              <a:gd name="connsiteX4" fmla="*/ 0 w 3744416"/>
+              <a:gd name="connsiteY4" fmla="*/ 1872208 h 3744416"/>
+              <a:gd name="connsiteX5" fmla="*/ 1329686 w 3744416"/>
+              <a:gd name="connsiteY5" fmla="*/ 2587897 h 3744416"/>
+              <a:gd name="connsiteX0" fmla="*/ 2733217 w 3744416"/>
+              <a:gd name="connsiteY0" fmla="*/ 1103084 h 3744416"/>
+              <a:gd name="connsiteX1" fmla="*/ 1872208 w 3744416"/>
+              <a:gd name="connsiteY1" fmla="*/ 0 h 3744416"/>
+              <a:gd name="connsiteX2" fmla="*/ 3744416 w 3744416"/>
+              <a:gd name="connsiteY2" fmla="*/ 1872208 h 3744416"/>
+              <a:gd name="connsiteX3" fmla="*/ 1872208 w 3744416"/>
+              <a:gd name="connsiteY3" fmla="*/ 3744416 h 3744416"/>
+              <a:gd name="connsiteX4" fmla="*/ 0 w 3744416"/>
+              <a:gd name="connsiteY4" fmla="*/ 1872208 h 3744416"/>
+              <a:gd name="connsiteX5" fmla="*/ 1329686 w 3744416"/>
+              <a:gd name="connsiteY5" fmla="*/ 2587897 h 3744416"/>
+              <a:gd name="connsiteX0" fmla="*/ 2733217 w 3744416"/>
+              <a:gd name="connsiteY0" fmla="*/ 1103084 h 3744416"/>
+              <a:gd name="connsiteX1" fmla="*/ 1872208 w 3744416"/>
+              <a:gd name="connsiteY1" fmla="*/ 0 h 3744416"/>
+              <a:gd name="connsiteX2" fmla="*/ 3744416 w 3744416"/>
+              <a:gd name="connsiteY2" fmla="*/ 1872208 h 3744416"/>
+              <a:gd name="connsiteX3" fmla="*/ 1872208 w 3744416"/>
+              <a:gd name="connsiteY3" fmla="*/ 3744416 h 3744416"/>
+              <a:gd name="connsiteX4" fmla="*/ 0 w 3744416"/>
+              <a:gd name="connsiteY4" fmla="*/ 1872208 h 3744416"/>
+              <a:gd name="connsiteX5" fmla="*/ 1053915 w 3744416"/>
+              <a:gd name="connsiteY5" fmla="*/ 1455783 h 3744416"/>
+              <a:gd name="connsiteX0" fmla="*/ 2733217 w 3744416"/>
+              <a:gd name="connsiteY0" fmla="*/ 1103084 h 3744416"/>
+              <a:gd name="connsiteX1" fmla="*/ 1872208 w 3744416"/>
+              <a:gd name="connsiteY1" fmla="*/ 0 h 3744416"/>
+              <a:gd name="connsiteX2" fmla="*/ 3744416 w 3744416"/>
+              <a:gd name="connsiteY2" fmla="*/ 1872208 h 3744416"/>
+              <a:gd name="connsiteX3" fmla="*/ 1872208 w 3744416"/>
+              <a:gd name="connsiteY3" fmla="*/ 3744416 h 3744416"/>
+              <a:gd name="connsiteX4" fmla="*/ 0 w 3744416"/>
+              <a:gd name="connsiteY4" fmla="*/ 1872208 h 3744416"/>
+              <a:gd name="connsiteX5" fmla="*/ 792658 w 3744416"/>
+              <a:gd name="connsiteY5" fmla="*/ 454297 h 3744416"/>
+              <a:gd name="connsiteX0" fmla="*/ 2733217 w 3744416"/>
+              <a:gd name="connsiteY0" fmla="*/ 1103084 h 3744416"/>
+              <a:gd name="connsiteX1" fmla="*/ 1872208 w 3744416"/>
+              <a:gd name="connsiteY1" fmla="*/ 0 h 3744416"/>
+              <a:gd name="connsiteX2" fmla="*/ 3744416 w 3744416"/>
+              <a:gd name="connsiteY2" fmla="*/ 1872208 h 3744416"/>
+              <a:gd name="connsiteX3" fmla="*/ 1872208 w 3744416"/>
+              <a:gd name="connsiteY3" fmla="*/ 3744416 h 3744416"/>
+              <a:gd name="connsiteX4" fmla="*/ 0 w 3744416"/>
+              <a:gd name="connsiteY4" fmla="*/ 1872208 h 3744416"/>
+              <a:gd name="connsiteX5" fmla="*/ 226601 w 3744416"/>
+              <a:gd name="connsiteY5" fmla="*/ 454297 h 3744416"/>
+              <a:gd name="connsiteX0" fmla="*/ 2210703 w 3744416"/>
+              <a:gd name="connsiteY0" fmla="*/ 2728684 h 3744416"/>
+              <a:gd name="connsiteX1" fmla="*/ 1872208 w 3744416"/>
+              <a:gd name="connsiteY1" fmla="*/ 0 h 3744416"/>
+              <a:gd name="connsiteX2" fmla="*/ 3744416 w 3744416"/>
+              <a:gd name="connsiteY2" fmla="*/ 1872208 h 3744416"/>
+              <a:gd name="connsiteX3" fmla="*/ 1872208 w 3744416"/>
+              <a:gd name="connsiteY3" fmla="*/ 3744416 h 3744416"/>
+              <a:gd name="connsiteX4" fmla="*/ 0 w 3744416"/>
+              <a:gd name="connsiteY4" fmla="*/ 1872208 h 3744416"/>
+              <a:gd name="connsiteX5" fmla="*/ 226601 w 3744416"/>
+              <a:gd name="connsiteY5" fmla="*/ 454297 h 3744416"/>
+              <a:gd name="connsiteX0" fmla="*/ 2210703 w 3744416"/>
+              <a:gd name="connsiteY0" fmla="*/ 2728684 h 3744416"/>
+              <a:gd name="connsiteX1" fmla="*/ 1872208 w 3744416"/>
+              <a:gd name="connsiteY1" fmla="*/ 0 h 3744416"/>
+              <a:gd name="connsiteX2" fmla="*/ 3744416 w 3744416"/>
+              <a:gd name="connsiteY2" fmla="*/ 1872208 h 3744416"/>
+              <a:gd name="connsiteX3" fmla="*/ 1872208 w 3744416"/>
+              <a:gd name="connsiteY3" fmla="*/ 3744416 h 3744416"/>
+              <a:gd name="connsiteX4" fmla="*/ 0 w 3744416"/>
+              <a:gd name="connsiteY4" fmla="*/ 1872208 h 3744416"/>
+              <a:gd name="connsiteX5" fmla="*/ 226601 w 3744416"/>
+              <a:gd name="connsiteY5" fmla="*/ 454297 h 3744416"/>
+              <a:gd name="connsiteX0" fmla="*/ 2210703 w 3744416"/>
+              <a:gd name="connsiteY0" fmla="*/ 2728684 h 3744416"/>
+              <a:gd name="connsiteX1" fmla="*/ 1872208 w 3744416"/>
+              <a:gd name="connsiteY1" fmla="*/ 0 h 3744416"/>
+              <a:gd name="connsiteX2" fmla="*/ 3744416 w 3744416"/>
+              <a:gd name="connsiteY2" fmla="*/ 1872208 h 3744416"/>
+              <a:gd name="connsiteX3" fmla="*/ 1872208 w 3744416"/>
+              <a:gd name="connsiteY3" fmla="*/ 3744416 h 3744416"/>
+              <a:gd name="connsiteX4" fmla="*/ 0 w 3744416"/>
+              <a:gd name="connsiteY4" fmla="*/ 1872208 h 3744416"/>
+              <a:gd name="connsiteX5" fmla="*/ 226601 w 3744416"/>
+              <a:gd name="connsiteY5" fmla="*/ 454297 h 3744416"/>
+              <a:gd name="connsiteX0" fmla="*/ 2210703 w 3744416"/>
+              <a:gd name="connsiteY0" fmla="*/ 2728684 h 3744416"/>
+              <a:gd name="connsiteX1" fmla="*/ 1872208 w 3744416"/>
+              <a:gd name="connsiteY1" fmla="*/ 0 h 3744416"/>
+              <a:gd name="connsiteX2" fmla="*/ 3744416 w 3744416"/>
+              <a:gd name="connsiteY2" fmla="*/ 1872208 h 3744416"/>
+              <a:gd name="connsiteX3" fmla="*/ 1872208 w 3744416"/>
+              <a:gd name="connsiteY3" fmla="*/ 3744416 h 3744416"/>
+              <a:gd name="connsiteX4" fmla="*/ 0 w 3744416"/>
+              <a:gd name="connsiteY4" fmla="*/ 1872208 h 3744416"/>
+              <a:gd name="connsiteX5" fmla="*/ 226601 w 3744416"/>
+              <a:gd name="connsiteY5" fmla="*/ 454297 h 3744416"/>
+              <a:gd name="connsiteX6" fmla="*/ 2210703 w 3744416"/>
+              <a:gd name="connsiteY6" fmla="*/ 2728684 h 3744416"/>
+              <a:gd name="connsiteX0" fmla="*/ 2210703 w 3744416"/>
+              <a:gd name="connsiteY0" fmla="*/ 2728684 h 3744416"/>
+              <a:gd name="connsiteX1" fmla="*/ 1872208 w 3744416"/>
+              <a:gd name="connsiteY1" fmla="*/ 0 h 3744416"/>
+              <a:gd name="connsiteX2" fmla="*/ 3744416 w 3744416"/>
+              <a:gd name="connsiteY2" fmla="*/ 1872208 h 3744416"/>
+              <a:gd name="connsiteX3" fmla="*/ 1872208 w 3744416"/>
+              <a:gd name="connsiteY3" fmla="*/ 3744416 h 3744416"/>
+              <a:gd name="connsiteX4" fmla="*/ 0 w 3744416"/>
+              <a:gd name="connsiteY4" fmla="*/ 1872208 h 3744416"/>
+              <a:gd name="connsiteX5" fmla="*/ 226601 w 3744416"/>
+              <a:gd name="connsiteY5" fmla="*/ 454297 h 3744416"/>
+              <a:gd name="connsiteX6" fmla="*/ 2210703 w 3744416"/>
+              <a:gd name="connsiteY6" fmla="*/ 2728684 h 3744416"/>
+            </a:gdLst>
+            <a:ahLst/>
+            <a:cxnLst>
+              <a:cxn ang="0">
+                <a:pos x="connsiteX0" y="connsiteY0"/>
+              </a:cxn>
+              <a:cxn ang="0">
+                <a:pos x="connsiteX1" y="connsiteY1"/>
+              </a:cxn>
+              <a:cxn ang="0">
+                <a:pos x="connsiteX2" y="connsiteY2"/>
+              </a:cxn>
+              <a:cxn ang="0">
+                <a:pos x="connsiteX3" y="connsiteY3"/>
+              </a:cxn>
+              <a:cxn ang="0">
+                <a:pos x="connsiteX4" y="connsiteY4"/>
+              </a:cxn>
+              <a:cxn ang="0">
+                <a:pos x="connsiteX5" y="connsiteY5"/>
+              </a:cxn>
+              <a:cxn ang="0">
+                <a:pos x="connsiteX6" y="connsiteY6"/>
+              </a:cxn>
+            </a:cxnLst>
+            <a:rect l="l" t="t" r="r" b="b"/>
+            <a:pathLst>
+              <a:path w="3744416" h="3744416">
+                <a:moveTo>
+                  <a:pt x="2210703" y="2728684"/>
+                </a:moveTo>
+                <a:cubicBezTo>
+                  <a:pt x="443242" y="266094"/>
+                  <a:pt x="1985040" y="909561"/>
+                  <a:pt x="1872208" y="0"/>
+                </a:cubicBezTo>
+                <a:cubicBezTo>
+                  <a:pt x="3127626" y="123304"/>
+                  <a:pt x="3744416" y="838216"/>
+                  <a:pt x="3744416" y="1872208"/>
+                </a:cubicBezTo>
+                <a:cubicBezTo>
+                  <a:pt x="3744416" y="2906200"/>
+                  <a:pt x="2906200" y="3744416"/>
+                  <a:pt x="1872208" y="3744416"/>
+                </a:cubicBezTo>
+                <a:cubicBezTo>
+                  <a:pt x="838216" y="3744416"/>
+                  <a:pt x="0" y="2906200"/>
+                  <a:pt x="0" y="1872208"/>
+                </a:cubicBezTo>
+                <a:cubicBezTo>
+                  <a:pt x="320825" y="1543262"/>
+                  <a:pt x="226601" y="454297"/>
+                  <a:pt x="226601" y="454297"/>
+                </a:cubicBezTo>
+                <a:cubicBezTo>
+                  <a:pt x="1062139" y="443169"/>
+                  <a:pt x="1549336" y="1970555"/>
+                  <a:pt x="2210703" y="2728684"/>
+                </a:cubicBezTo>
+                <a:close/>
+              </a:path>
+            </a:pathLst>
+          </a:custGeom>
+          <a:ln/>
+        </p:spPr>
+        <p:style>
+          <a:lnRef idx="1">
+            <a:schemeClr val="accent3"/>
+          </a:lnRef>
+          <a:fillRef idx="2">
+            <a:schemeClr val="accent3"/>
+          </a:fillRef>
+          <a:effectRef idx="1">
+            <a:schemeClr val="accent3"/>
+          </a:effectRef>
+          <a:fontRef idx="minor">
+            <a:schemeClr val="dk1"/>
+          </a:fontRef>
+        </p:style>
+        <p:txBody>
+          <a:bodyPr rtlCol="0" anchor="ctr"/>
+          <a:lstStyle/>
+          <a:p>
+            <a:pPr algn="ctr"/>
+            <a:endParaRPr lang="zh-CN" altLang="en-US" dirty="0"/>
+          </a:p>
+        </p:txBody>
+      </p:sp>
+    </p:spTree>
+    <p:extLst>
+      <p:ext uri="{BB962C8B-B14F-4D97-AF65-F5344CB8AC3E}">
+        <p14:creationId xmlns:p14="http://schemas.microsoft.com/office/powerpoint/2010/main" val="3745420849"/>
+      </p:ext>
+    </p:extLst>
+  </p:cSld>
+  <p:clrMapOvr>
+    <a:masterClrMapping/>
+  </p:clrMapOvr>
+</p:sld>
+</file>
+
+<file path=ppt/slides/slide4.xml><?xml version="1.0" encoding="utf-8"?>
 <p:sld xmlns:a="http://schemas.openxmlformats.org/drawingml/2006/main" xmlns:r="http://schemas.openxmlformats.org/officeDocument/2006/relationships" xmlns:p="http://schemas.openxmlformats.org/presentationml/2006/main">
   <p:cSld>
     <p:spTree>

--- a/data/images/logo.pptx
+++ b/data/images/logo.pptx
@@ -6,9 +6,10 @@
   </p:sldMasterIdLst>
   <p:sldIdLst>
     <p:sldId id="257" r:id="rId2"/>
-    <p:sldId id="259" r:id="rId3"/>
-    <p:sldId id="258" r:id="rId4"/>
-    <p:sldId id="256" r:id="rId5"/>
+    <p:sldId id="260" r:id="rId3"/>
+    <p:sldId id="259" r:id="rId4"/>
+    <p:sldId id="258" r:id="rId5"/>
+    <p:sldId id="256" r:id="rId6"/>
   </p:sldIdLst>
   <p:sldSz cx="9144000" cy="6858000" type="screen4x3"/>
   <p:notesSz cx="6858000" cy="9144000"/>
@@ -305,7 +306,7 @@
           <a:p>
             <a:fld id="{C3733D5E-4FBE-4515-BD6B-7A88DC286B64}" type="datetimeFigureOut">
               <a:rPr lang="zh-CN" altLang="en-US" smtClean="0"/>
-              <a:t>2020/5/14</a:t>
+              <a:t>2020/5/29</a:t>
             </a:fld>
             <a:endParaRPr lang="zh-CN" altLang="en-US"/>
           </a:p>
@@ -473,7 +474,7 @@
           <a:p>
             <a:fld id="{C3733D5E-4FBE-4515-BD6B-7A88DC286B64}" type="datetimeFigureOut">
               <a:rPr lang="zh-CN" altLang="en-US" smtClean="0"/>
-              <a:t>2020/5/14</a:t>
+              <a:t>2020/5/29</a:t>
             </a:fld>
             <a:endParaRPr lang="zh-CN" altLang="en-US"/>
           </a:p>
@@ -651,7 +652,7 @@
           <a:p>
             <a:fld id="{C3733D5E-4FBE-4515-BD6B-7A88DC286B64}" type="datetimeFigureOut">
               <a:rPr lang="zh-CN" altLang="en-US" smtClean="0"/>
-              <a:t>2020/5/14</a:t>
+              <a:t>2020/5/29</a:t>
             </a:fld>
             <a:endParaRPr lang="zh-CN" altLang="en-US"/>
           </a:p>
@@ -819,7 +820,7 @@
           <a:p>
             <a:fld id="{C3733D5E-4FBE-4515-BD6B-7A88DC286B64}" type="datetimeFigureOut">
               <a:rPr lang="zh-CN" altLang="en-US" smtClean="0"/>
-              <a:t>2020/5/14</a:t>
+              <a:t>2020/5/29</a:t>
             </a:fld>
             <a:endParaRPr lang="zh-CN" altLang="en-US"/>
           </a:p>
@@ -1064,7 +1065,7 @@
           <a:p>
             <a:fld id="{C3733D5E-4FBE-4515-BD6B-7A88DC286B64}" type="datetimeFigureOut">
               <a:rPr lang="zh-CN" altLang="en-US" smtClean="0"/>
-              <a:t>2020/5/14</a:t>
+              <a:t>2020/5/29</a:t>
             </a:fld>
             <a:endParaRPr lang="zh-CN" altLang="en-US"/>
           </a:p>
@@ -1349,7 +1350,7 @@
           <a:p>
             <a:fld id="{C3733D5E-4FBE-4515-BD6B-7A88DC286B64}" type="datetimeFigureOut">
               <a:rPr lang="zh-CN" altLang="en-US" smtClean="0"/>
-              <a:t>2020/5/14</a:t>
+              <a:t>2020/5/29</a:t>
             </a:fld>
             <a:endParaRPr lang="zh-CN" altLang="en-US"/>
           </a:p>
@@ -1768,7 +1769,7 @@
           <a:p>
             <a:fld id="{C3733D5E-4FBE-4515-BD6B-7A88DC286B64}" type="datetimeFigureOut">
               <a:rPr lang="zh-CN" altLang="en-US" smtClean="0"/>
-              <a:t>2020/5/14</a:t>
+              <a:t>2020/5/29</a:t>
             </a:fld>
             <a:endParaRPr lang="zh-CN" altLang="en-US"/>
           </a:p>
@@ -1885,7 +1886,7 @@
           <a:p>
             <a:fld id="{C3733D5E-4FBE-4515-BD6B-7A88DC286B64}" type="datetimeFigureOut">
               <a:rPr lang="zh-CN" altLang="en-US" smtClean="0"/>
-              <a:t>2020/5/14</a:t>
+              <a:t>2020/5/29</a:t>
             </a:fld>
             <a:endParaRPr lang="zh-CN" altLang="en-US"/>
           </a:p>
@@ -1980,7 +1981,7 @@
           <a:p>
             <a:fld id="{C3733D5E-4FBE-4515-BD6B-7A88DC286B64}" type="datetimeFigureOut">
               <a:rPr lang="zh-CN" altLang="en-US" smtClean="0"/>
-              <a:t>2020/5/14</a:t>
+              <a:t>2020/5/29</a:t>
             </a:fld>
             <a:endParaRPr lang="zh-CN" altLang="en-US"/>
           </a:p>
@@ -2255,7 +2256,7 @@
           <a:p>
             <a:fld id="{C3733D5E-4FBE-4515-BD6B-7A88DC286B64}" type="datetimeFigureOut">
               <a:rPr lang="zh-CN" altLang="en-US" smtClean="0"/>
-              <a:t>2020/5/14</a:t>
+              <a:t>2020/5/29</a:t>
             </a:fld>
             <a:endParaRPr lang="zh-CN" altLang="en-US"/>
           </a:p>
@@ -2507,7 +2508,7 @@
           <a:p>
             <a:fld id="{C3733D5E-4FBE-4515-BD6B-7A88DC286B64}" type="datetimeFigureOut">
               <a:rPr lang="zh-CN" altLang="en-US" smtClean="0"/>
-              <a:t>2020/5/14</a:t>
+              <a:t>2020/5/29</a:t>
             </a:fld>
             <a:endParaRPr lang="zh-CN" altLang="en-US"/>
           </a:p>
@@ -2718,7 +2719,7 @@
           <a:p>
             <a:fld id="{C3733D5E-4FBE-4515-BD6B-7A88DC286B64}" type="datetimeFigureOut">
               <a:rPr lang="zh-CN" altLang="en-US" smtClean="0"/>
-              <a:t>2020/5/14</a:t>
+              <a:t>2020/5/29</a:t>
             </a:fld>
             <a:endParaRPr lang="zh-CN" altLang="en-US"/>
           </a:p>
@@ -3842,6 +3843,9 @@
               </a:path>
             </a:pathLst>
           </a:custGeom>
+          <a:solidFill>
+            <a:schemeClr val="tx1"/>
+          </a:solidFill>
           <a:ln>
             <a:noFill/>
           </a:ln>
@@ -3873,6 +3877,407 @@
     </p:spTree>
     <p:extLst>
       <p:ext uri="{BB962C8B-B14F-4D97-AF65-F5344CB8AC3E}">
+        <p14:creationId xmlns:p14="http://schemas.microsoft.com/office/powerpoint/2010/main" val="2971220992"/>
+      </p:ext>
+    </p:extLst>
+  </p:cSld>
+  <p:clrMapOvr>
+    <a:masterClrMapping/>
+  </p:clrMapOvr>
+</p:sld>
+</file>
+
+<file path=ppt/slides/slide3.xml><?xml version="1.0" encoding="utf-8"?>
+<p:sld xmlns:a="http://schemas.openxmlformats.org/drawingml/2006/main" xmlns:r="http://schemas.openxmlformats.org/officeDocument/2006/relationships" xmlns:p="http://schemas.openxmlformats.org/presentationml/2006/main">
+  <p:cSld>
+    <p:spTree>
+      <p:nvGrpSpPr>
+        <p:cNvPr id="1" name=""/>
+        <p:cNvGrpSpPr/>
+        <p:nvPr/>
+      </p:nvGrpSpPr>
+      <p:grpSpPr>
+        <a:xfrm>
+          <a:off x="0" y="0"/>
+          <a:ext cx="0" cy="0"/>
+          <a:chOff x="0" y="0"/>
+          <a:chExt cx="0" cy="0"/>
+        </a:xfrm>
+      </p:grpSpPr>
+      <p:sp>
+        <p:nvSpPr>
+          <p:cNvPr id="4" name="椭圆 3"/>
+          <p:cNvSpPr/>
+          <p:nvPr/>
+        </p:nvSpPr>
+        <p:spPr>
+          <a:xfrm>
+            <a:off x="3059832" y="1052736"/>
+            <a:ext cx="3744416" cy="3744416"/>
+          </a:xfrm>
+          <a:custGeom>
+            <a:avLst/>
+            <a:gdLst>
+              <a:gd name="connsiteX0" fmla="*/ 0 w 3744416"/>
+              <a:gd name="connsiteY0" fmla="*/ 1872208 h 3744416"/>
+              <a:gd name="connsiteX1" fmla="*/ 1872208 w 3744416"/>
+              <a:gd name="connsiteY1" fmla="*/ 0 h 3744416"/>
+              <a:gd name="connsiteX2" fmla="*/ 3744416 w 3744416"/>
+              <a:gd name="connsiteY2" fmla="*/ 1872208 h 3744416"/>
+              <a:gd name="connsiteX3" fmla="*/ 1872208 w 3744416"/>
+              <a:gd name="connsiteY3" fmla="*/ 3744416 h 3744416"/>
+              <a:gd name="connsiteX4" fmla="*/ 0 w 3744416"/>
+              <a:gd name="connsiteY4" fmla="*/ 1872208 h 3744416"/>
+              <a:gd name="connsiteX0" fmla="*/ 0 w 3744416"/>
+              <a:gd name="connsiteY0" fmla="*/ 1872208 h 3744416"/>
+              <a:gd name="connsiteX1" fmla="*/ 1872208 w 3744416"/>
+              <a:gd name="connsiteY1" fmla="*/ 0 h 3744416"/>
+              <a:gd name="connsiteX2" fmla="*/ 3744416 w 3744416"/>
+              <a:gd name="connsiteY2" fmla="*/ 1872208 h 3744416"/>
+              <a:gd name="connsiteX3" fmla="*/ 1872208 w 3744416"/>
+              <a:gd name="connsiteY3" fmla="*/ 3744416 h 3744416"/>
+              <a:gd name="connsiteX4" fmla="*/ 0 w 3744416"/>
+              <a:gd name="connsiteY4" fmla="*/ 1872208 h 3744416"/>
+              <a:gd name="connsiteX0" fmla="*/ 0 w 3744416"/>
+              <a:gd name="connsiteY0" fmla="*/ 1872208 h 3744416"/>
+              <a:gd name="connsiteX1" fmla="*/ 962474 w 3744416"/>
+              <a:gd name="connsiteY1" fmla="*/ 885371 h 3744416"/>
+              <a:gd name="connsiteX2" fmla="*/ 1872208 w 3744416"/>
+              <a:gd name="connsiteY2" fmla="*/ 0 h 3744416"/>
+              <a:gd name="connsiteX3" fmla="*/ 3744416 w 3744416"/>
+              <a:gd name="connsiteY3" fmla="*/ 1872208 h 3744416"/>
+              <a:gd name="connsiteX4" fmla="*/ 1872208 w 3744416"/>
+              <a:gd name="connsiteY4" fmla="*/ 3744416 h 3744416"/>
+              <a:gd name="connsiteX5" fmla="*/ 0 w 3744416"/>
+              <a:gd name="connsiteY5" fmla="*/ 1872208 h 3744416"/>
+              <a:gd name="connsiteX0" fmla="*/ 962474 w 3744416"/>
+              <a:gd name="connsiteY0" fmla="*/ 885371 h 3744416"/>
+              <a:gd name="connsiteX1" fmla="*/ 1872208 w 3744416"/>
+              <a:gd name="connsiteY1" fmla="*/ 0 h 3744416"/>
+              <a:gd name="connsiteX2" fmla="*/ 3744416 w 3744416"/>
+              <a:gd name="connsiteY2" fmla="*/ 1872208 h 3744416"/>
+              <a:gd name="connsiteX3" fmla="*/ 1872208 w 3744416"/>
+              <a:gd name="connsiteY3" fmla="*/ 3744416 h 3744416"/>
+              <a:gd name="connsiteX4" fmla="*/ 0 w 3744416"/>
+              <a:gd name="connsiteY4" fmla="*/ 1872208 h 3744416"/>
+              <a:gd name="connsiteX5" fmla="*/ 1053914 w 3744416"/>
+              <a:gd name="connsiteY5" fmla="*/ 976811 h 3744416"/>
+              <a:gd name="connsiteX0" fmla="*/ 962474 w 3744416"/>
+              <a:gd name="connsiteY0" fmla="*/ 885371 h 3744416"/>
+              <a:gd name="connsiteX1" fmla="*/ 1872208 w 3744416"/>
+              <a:gd name="connsiteY1" fmla="*/ 0 h 3744416"/>
+              <a:gd name="connsiteX2" fmla="*/ 3744416 w 3744416"/>
+              <a:gd name="connsiteY2" fmla="*/ 1872208 h 3744416"/>
+              <a:gd name="connsiteX3" fmla="*/ 1872208 w 3744416"/>
+              <a:gd name="connsiteY3" fmla="*/ 3744416 h 3744416"/>
+              <a:gd name="connsiteX4" fmla="*/ 0 w 3744416"/>
+              <a:gd name="connsiteY4" fmla="*/ 1872208 h 3744416"/>
+              <a:gd name="connsiteX5" fmla="*/ 1053914 w 3744416"/>
+              <a:gd name="connsiteY5" fmla="*/ 976811 h 3744416"/>
+              <a:gd name="connsiteX0" fmla="*/ 962474 w 3744416"/>
+              <a:gd name="connsiteY0" fmla="*/ 885371 h 3744416"/>
+              <a:gd name="connsiteX1" fmla="*/ 1872208 w 3744416"/>
+              <a:gd name="connsiteY1" fmla="*/ 0 h 3744416"/>
+              <a:gd name="connsiteX2" fmla="*/ 3744416 w 3744416"/>
+              <a:gd name="connsiteY2" fmla="*/ 1872208 h 3744416"/>
+              <a:gd name="connsiteX3" fmla="*/ 1872208 w 3744416"/>
+              <a:gd name="connsiteY3" fmla="*/ 3744416 h 3744416"/>
+              <a:gd name="connsiteX4" fmla="*/ 0 w 3744416"/>
+              <a:gd name="connsiteY4" fmla="*/ 1872208 h 3744416"/>
+              <a:gd name="connsiteX5" fmla="*/ 1053914 w 3744416"/>
+              <a:gd name="connsiteY5" fmla="*/ 976811 h 3744416"/>
+              <a:gd name="connsiteX0" fmla="*/ 962474 w 3744416"/>
+              <a:gd name="connsiteY0" fmla="*/ 885371 h 3744416"/>
+              <a:gd name="connsiteX1" fmla="*/ 1872208 w 3744416"/>
+              <a:gd name="connsiteY1" fmla="*/ 0 h 3744416"/>
+              <a:gd name="connsiteX2" fmla="*/ 3744416 w 3744416"/>
+              <a:gd name="connsiteY2" fmla="*/ 1872208 h 3744416"/>
+              <a:gd name="connsiteX3" fmla="*/ 1872208 w 3744416"/>
+              <a:gd name="connsiteY3" fmla="*/ 3744416 h 3744416"/>
+              <a:gd name="connsiteX4" fmla="*/ 0 w 3744416"/>
+              <a:gd name="connsiteY4" fmla="*/ 1872208 h 3744416"/>
+              <a:gd name="connsiteX5" fmla="*/ 1053914 w 3744416"/>
+              <a:gd name="connsiteY5" fmla="*/ 976811 h 3744416"/>
+              <a:gd name="connsiteX0" fmla="*/ 962474 w 3744416"/>
+              <a:gd name="connsiteY0" fmla="*/ 885371 h 3744416"/>
+              <a:gd name="connsiteX1" fmla="*/ 1872208 w 3744416"/>
+              <a:gd name="connsiteY1" fmla="*/ 0 h 3744416"/>
+              <a:gd name="connsiteX2" fmla="*/ 3744416 w 3744416"/>
+              <a:gd name="connsiteY2" fmla="*/ 1872208 h 3744416"/>
+              <a:gd name="connsiteX3" fmla="*/ 1872208 w 3744416"/>
+              <a:gd name="connsiteY3" fmla="*/ 3744416 h 3744416"/>
+              <a:gd name="connsiteX4" fmla="*/ 0 w 3744416"/>
+              <a:gd name="connsiteY4" fmla="*/ 1872208 h 3744416"/>
+              <a:gd name="connsiteX5" fmla="*/ 1242600 w 3744416"/>
+              <a:gd name="connsiteY5" fmla="*/ 1804126 h 3744416"/>
+              <a:gd name="connsiteX0" fmla="*/ 962474 w 3744416"/>
+              <a:gd name="connsiteY0" fmla="*/ 885371 h 3744416"/>
+              <a:gd name="connsiteX1" fmla="*/ 1872208 w 3744416"/>
+              <a:gd name="connsiteY1" fmla="*/ 0 h 3744416"/>
+              <a:gd name="connsiteX2" fmla="*/ 3744416 w 3744416"/>
+              <a:gd name="connsiteY2" fmla="*/ 1872208 h 3744416"/>
+              <a:gd name="connsiteX3" fmla="*/ 1872208 w 3744416"/>
+              <a:gd name="connsiteY3" fmla="*/ 3744416 h 3744416"/>
+              <a:gd name="connsiteX4" fmla="*/ 0 w 3744416"/>
+              <a:gd name="connsiteY4" fmla="*/ 1872208 h 3744416"/>
+              <a:gd name="connsiteX5" fmla="*/ 1329686 w 3744416"/>
+              <a:gd name="connsiteY5" fmla="*/ 2587897 h 3744416"/>
+              <a:gd name="connsiteX0" fmla="*/ 962474 w 3744416"/>
+              <a:gd name="connsiteY0" fmla="*/ 885371 h 3744416"/>
+              <a:gd name="connsiteX1" fmla="*/ 1872208 w 3744416"/>
+              <a:gd name="connsiteY1" fmla="*/ 0 h 3744416"/>
+              <a:gd name="connsiteX2" fmla="*/ 3744416 w 3744416"/>
+              <a:gd name="connsiteY2" fmla="*/ 1872208 h 3744416"/>
+              <a:gd name="connsiteX3" fmla="*/ 1872208 w 3744416"/>
+              <a:gd name="connsiteY3" fmla="*/ 3744416 h 3744416"/>
+              <a:gd name="connsiteX4" fmla="*/ 0 w 3744416"/>
+              <a:gd name="connsiteY4" fmla="*/ 1872208 h 3744416"/>
+              <a:gd name="connsiteX5" fmla="*/ 1329686 w 3744416"/>
+              <a:gd name="connsiteY5" fmla="*/ 2587897 h 3744416"/>
+              <a:gd name="connsiteX0" fmla="*/ 962474 w 3744416"/>
+              <a:gd name="connsiteY0" fmla="*/ 885371 h 3744416"/>
+              <a:gd name="connsiteX1" fmla="*/ 1872208 w 3744416"/>
+              <a:gd name="connsiteY1" fmla="*/ 0 h 3744416"/>
+              <a:gd name="connsiteX2" fmla="*/ 3744416 w 3744416"/>
+              <a:gd name="connsiteY2" fmla="*/ 1872208 h 3744416"/>
+              <a:gd name="connsiteX3" fmla="*/ 1872208 w 3744416"/>
+              <a:gd name="connsiteY3" fmla="*/ 3744416 h 3744416"/>
+              <a:gd name="connsiteX4" fmla="*/ 0 w 3744416"/>
+              <a:gd name="connsiteY4" fmla="*/ 1872208 h 3744416"/>
+              <a:gd name="connsiteX5" fmla="*/ 1329686 w 3744416"/>
+              <a:gd name="connsiteY5" fmla="*/ 2587897 h 3744416"/>
+              <a:gd name="connsiteX0" fmla="*/ 962474 w 3744416"/>
+              <a:gd name="connsiteY0" fmla="*/ 885371 h 3744416"/>
+              <a:gd name="connsiteX1" fmla="*/ 1872208 w 3744416"/>
+              <a:gd name="connsiteY1" fmla="*/ 0 h 3744416"/>
+              <a:gd name="connsiteX2" fmla="*/ 3744416 w 3744416"/>
+              <a:gd name="connsiteY2" fmla="*/ 1872208 h 3744416"/>
+              <a:gd name="connsiteX3" fmla="*/ 1872208 w 3744416"/>
+              <a:gd name="connsiteY3" fmla="*/ 3744416 h 3744416"/>
+              <a:gd name="connsiteX4" fmla="*/ 0 w 3744416"/>
+              <a:gd name="connsiteY4" fmla="*/ 1872208 h 3744416"/>
+              <a:gd name="connsiteX5" fmla="*/ 1329686 w 3744416"/>
+              <a:gd name="connsiteY5" fmla="*/ 2587897 h 3744416"/>
+              <a:gd name="connsiteX0" fmla="*/ 2022017 w 3744416"/>
+              <a:gd name="connsiteY0" fmla="*/ 1117599 h 3744416"/>
+              <a:gd name="connsiteX1" fmla="*/ 1872208 w 3744416"/>
+              <a:gd name="connsiteY1" fmla="*/ 0 h 3744416"/>
+              <a:gd name="connsiteX2" fmla="*/ 3744416 w 3744416"/>
+              <a:gd name="connsiteY2" fmla="*/ 1872208 h 3744416"/>
+              <a:gd name="connsiteX3" fmla="*/ 1872208 w 3744416"/>
+              <a:gd name="connsiteY3" fmla="*/ 3744416 h 3744416"/>
+              <a:gd name="connsiteX4" fmla="*/ 0 w 3744416"/>
+              <a:gd name="connsiteY4" fmla="*/ 1872208 h 3744416"/>
+              <a:gd name="connsiteX5" fmla="*/ 1329686 w 3744416"/>
+              <a:gd name="connsiteY5" fmla="*/ 2587897 h 3744416"/>
+              <a:gd name="connsiteX0" fmla="*/ 2733217 w 3744416"/>
+              <a:gd name="connsiteY0" fmla="*/ 1103084 h 3744416"/>
+              <a:gd name="connsiteX1" fmla="*/ 1872208 w 3744416"/>
+              <a:gd name="connsiteY1" fmla="*/ 0 h 3744416"/>
+              <a:gd name="connsiteX2" fmla="*/ 3744416 w 3744416"/>
+              <a:gd name="connsiteY2" fmla="*/ 1872208 h 3744416"/>
+              <a:gd name="connsiteX3" fmla="*/ 1872208 w 3744416"/>
+              <a:gd name="connsiteY3" fmla="*/ 3744416 h 3744416"/>
+              <a:gd name="connsiteX4" fmla="*/ 0 w 3744416"/>
+              <a:gd name="connsiteY4" fmla="*/ 1872208 h 3744416"/>
+              <a:gd name="connsiteX5" fmla="*/ 1329686 w 3744416"/>
+              <a:gd name="connsiteY5" fmla="*/ 2587897 h 3744416"/>
+              <a:gd name="connsiteX0" fmla="*/ 2733217 w 3744416"/>
+              <a:gd name="connsiteY0" fmla="*/ 1103084 h 3744416"/>
+              <a:gd name="connsiteX1" fmla="*/ 1872208 w 3744416"/>
+              <a:gd name="connsiteY1" fmla="*/ 0 h 3744416"/>
+              <a:gd name="connsiteX2" fmla="*/ 3744416 w 3744416"/>
+              <a:gd name="connsiteY2" fmla="*/ 1872208 h 3744416"/>
+              <a:gd name="connsiteX3" fmla="*/ 1872208 w 3744416"/>
+              <a:gd name="connsiteY3" fmla="*/ 3744416 h 3744416"/>
+              <a:gd name="connsiteX4" fmla="*/ 0 w 3744416"/>
+              <a:gd name="connsiteY4" fmla="*/ 1872208 h 3744416"/>
+              <a:gd name="connsiteX5" fmla="*/ 1053915 w 3744416"/>
+              <a:gd name="connsiteY5" fmla="*/ 1455783 h 3744416"/>
+              <a:gd name="connsiteX0" fmla="*/ 2733217 w 3744416"/>
+              <a:gd name="connsiteY0" fmla="*/ 1103084 h 3744416"/>
+              <a:gd name="connsiteX1" fmla="*/ 1872208 w 3744416"/>
+              <a:gd name="connsiteY1" fmla="*/ 0 h 3744416"/>
+              <a:gd name="connsiteX2" fmla="*/ 3744416 w 3744416"/>
+              <a:gd name="connsiteY2" fmla="*/ 1872208 h 3744416"/>
+              <a:gd name="connsiteX3" fmla="*/ 1872208 w 3744416"/>
+              <a:gd name="connsiteY3" fmla="*/ 3744416 h 3744416"/>
+              <a:gd name="connsiteX4" fmla="*/ 0 w 3744416"/>
+              <a:gd name="connsiteY4" fmla="*/ 1872208 h 3744416"/>
+              <a:gd name="connsiteX5" fmla="*/ 792658 w 3744416"/>
+              <a:gd name="connsiteY5" fmla="*/ 454297 h 3744416"/>
+              <a:gd name="connsiteX0" fmla="*/ 2733217 w 3744416"/>
+              <a:gd name="connsiteY0" fmla="*/ 1103084 h 3744416"/>
+              <a:gd name="connsiteX1" fmla="*/ 1872208 w 3744416"/>
+              <a:gd name="connsiteY1" fmla="*/ 0 h 3744416"/>
+              <a:gd name="connsiteX2" fmla="*/ 3744416 w 3744416"/>
+              <a:gd name="connsiteY2" fmla="*/ 1872208 h 3744416"/>
+              <a:gd name="connsiteX3" fmla="*/ 1872208 w 3744416"/>
+              <a:gd name="connsiteY3" fmla="*/ 3744416 h 3744416"/>
+              <a:gd name="connsiteX4" fmla="*/ 0 w 3744416"/>
+              <a:gd name="connsiteY4" fmla="*/ 1872208 h 3744416"/>
+              <a:gd name="connsiteX5" fmla="*/ 226601 w 3744416"/>
+              <a:gd name="connsiteY5" fmla="*/ 454297 h 3744416"/>
+              <a:gd name="connsiteX0" fmla="*/ 2210703 w 3744416"/>
+              <a:gd name="connsiteY0" fmla="*/ 2728684 h 3744416"/>
+              <a:gd name="connsiteX1" fmla="*/ 1872208 w 3744416"/>
+              <a:gd name="connsiteY1" fmla="*/ 0 h 3744416"/>
+              <a:gd name="connsiteX2" fmla="*/ 3744416 w 3744416"/>
+              <a:gd name="connsiteY2" fmla="*/ 1872208 h 3744416"/>
+              <a:gd name="connsiteX3" fmla="*/ 1872208 w 3744416"/>
+              <a:gd name="connsiteY3" fmla="*/ 3744416 h 3744416"/>
+              <a:gd name="connsiteX4" fmla="*/ 0 w 3744416"/>
+              <a:gd name="connsiteY4" fmla="*/ 1872208 h 3744416"/>
+              <a:gd name="connsiteX5" fmla="*/ 226601 w 3744416"/>
+              <a:gd name="connsiteY5" fmla="*/ 454297 h 3744416"/>
+              <a:gd name="connsiteX0" fmla="*/ 2210703 w 3744416"/>
+              <a:gd name="connsiteY0" fmla="*/ 2728684 h 3744416"/>
+              <a:gd name="connsiteX1" fmla="*/ 1872208 w 3744416"/>
+              <a:gd name="connsiteY1" fmla="*/ 0 h 3744416"/>
+              <a:gd name="connsiteX2" fmla="*/ 3744416 w 3744416"/>
+              <a:gd name="connsiteY2" fmla="*/ 1872208 h 3744416"/>
+              <a:gd name="connsiteX3" fmla="*/ 1872208 w 3744416"/>
+              <a:gd name="connsiteY3" fmla="*/ 3744416 h 3744416"/>
+              <a:gd name="connsiteX4" fmla="*/ 0 w 3744416"/>
+              <a:gd name="connsiteY4" fmla="*/ 1872208 h 3744416"/>
+              <a:gd name="connsiteX5" fmla="*/ 226601 w 3744416"/>
+              <a:gd name="connsiteY5" fmla="*/ 454297 h 3744416"/>
+              <a:gd name="connsiteX0" fmla="*/ 2210703 w 3744416"/>
+              <a:gd name="connsiteY0" fmla="*/ 2728684 h 3744416"/>
+              <a:gd name="connsiteX1" fmla="*/ 1872208 w 3744416"/>
+              <a:gd name="connsiteY1" fmla="*/ 0 h 3744416"/>
+              <a:gd name="connsiteX2" fmla="*/ 3744416 w 3744416"/>
+              <a:gd name="connsiteY2" fmla="*/ 1872208 h 3744416"/>
+              <a:gd name="connsiteX3" fmla="*/ 1872208 w 3744416"/>
+              <a:gd name="connsiteY3" fmla="*/ 3744416 h 3744416"/>
+              <a:gd name="connsiteX4" fmla="*/ 0 w 3744416"/>
+              <a:gd name="connsiteY4" fmla="*/ 1872208 h 3744416"/>
+              <a:gd name="connsiteX5" fmla="*/ 226601 w 3744416"/>
+              <a:gd name="connsiteY5" fmla="*/ 454297 h 3744416"/>
+              <a:gd name="connsiteX0" fmla="*/ 2210703 w 3744416"/>
+              <a:gd name="connsiteY0" fmla="*/ 2728684 h 3744416"/>
+              <a:gd name="connsiteX1" fmla="*/ 1872208 w 3744416"/>
+              <a:gd name="connsiteY1" fmla="*/ 0 h 3744416"/>
+              <a:gd name="connsiteX2" fmla="*/ 3744416 w 3744416"/>
+              <a:gd name="connsiteY2" fmla="*/ 1872208 h 3744416"/>
+              <a:gd name="connsiteX3" fmla="*/ 1872208 w 3744416"/>
+              <a:gd name="connsiteY3" fmla="*/ 3744416 h 3744416"/>
+              <a:gd name="connsiteX4" fmla="*/ 0 w 3744416"/>
+              <a:gd name="connsiteY4" fmla="*/ 1872208 h 3744416"/>
+              <a:gd name="connsiteX5" fmla="*/ 226601 w 3744416"/>
+              <a:gd name="connsiteY5" fmla="*/ 454297 h 3744416"/>
+              <a:gd name="connsiteX6" fmla="*/ 2210703 w 3744416"/>
+              <a:gd name="connsiteY6" fmla="*/ 2728684 h 3744416"/>
+              <a:gd name="connsiteX0" fmla="*/ 2210703 w 3744416"/>
+              <a:gd name="connsiteY0" fmla="*/ 2728684 h 3744416"/>
+              <a:gd name="connsiteX1" fmla="*/ 1872208 w 3744416"/>
+              <a:gd name="connsiteY1" fmla="*/ 0 h 3744416"/>
+              <a:gd name="connsiteX2" fmla="*/ 3744416 w 3744416"/>
+              <a:gd name="connsiteY2" fmla="*/ 1872208 h 3744416"/>
+              <a:gd name="connsiteX3" fmla="*/ 1872208 w 3744416"/>
+              <a:gd name="connsiteY3" fmla="*/ 3744416 h 3744416"/>
+              <a:gd name="connsiteX4" fmla="*/ 0 w 3744416"/>
+              <a:gd name="connsiteY4" fmla="*/ 1872208 h 3744416"/>
+              <a:gd name="connsiteX5" fmla="*/ 226601 w 3744416"/>
+              <a:gd name="connsiteY5" fmla="*/ 454297 h 3744416"/>
+              <a:gd name="connsiteX6" fmla="*/ 2210703 w 3744416"/>
+              <a:gd name="connsiteY6" fmla="*/ 2728684 h 3744416"/>
+            </a:gdLst>
+            <a:ahLst/>
+            <a:cxnLst>
+              <a:cxn ang="0">
+                <a:pos x="connsiteX0" y="connsiteY0"/>
+              </a:cxn>
+              <a:cxn ang="0">
+                <a:pos x="connsiteX1" y="connsiteY1"/>
+              </a:cxn>
+              <a:cxn ang="0">
+                <a:pos x="connsiteX2" y="connsiteY2"/>
+              </a:cxn>
+              <a:cxn ang="0">
+                <a:pos x="connsiteX3" y="connsiteY3"/>
+              </a:cxn>
+              <a:cxn ang="0">
+                <a:pos x="connsiteX4" y="connsiteY4"/>
+              </a:cxn>
+              <a:cxn ang="0">
+                <a:pos x="connsiteX5" y="connsiteY5"/>
+              </a:cxn>
+              <a:cxn ang="0">
+                <a:pos x="connsiteX6" y="connsiteY6"/>
+              </a:cxn>
+            </a:cxnLst>
+            <a:rect l="l" t="t" r="r" b="b"/>
+            <a:pathLst>
+              <a:path w="3744416" h="3744416">
+                <a:moveTo>
+                  <a:pt x="2210703" y="2728684"/>
+                </a:moveTo>
+                <a:cubicBezTo>
+                  <a:pt x="443242" y="266094"/>
+                  <a:pt x="1985040" y="909561"/>
+                  <a:pt x="1872208" y="0"/>
+                </a:cubicBezTo>
+                <a:cubicBezTo>
+                  <a:pt x="3127626" y="123304"/>
+                  <a:pt x="3744416" y="838216"/>
+                  <a:pt x="3744416" y="1872208"/>
+                </a:cubicBezTo>
+                <a:cubicBezTo>
+                  <a:pt x="3744416" y="2906200"/>
+                  <a:pt x="2906200" y="3744416"/>
+                  <a:pt x="1872208" y="3744416"/>
+                </a:cubicBezTo>
+                <a:cubicBezTo>
+                  <a:pt x="838216" y="3744416"/>
+                  <a:pt x="0" y="2906200"/>
+                  <a:pt x="0" y="1872208"/>
+                </a:cubicBezTo>
+                <a:cubicBezTo>
+                  <a:pt x="320825" y="1543262"/>
+                  <a:pt x="226601" y="454297"/>
+                  <a:pt x="226601" y="454297"/>
+                </a:cubicBezTo>
+                <a:cubicBezTo>
+                  <a:pt x="1062139" y="443169"/>
+                  <a:pt x="1549336" y="1970555"/>
+                  <a:pt x="2210703" y="2728684"/>
+                </a:cubicBezTo>
+                <a:close/>
+              </a:path>
+            </a:pathLst>
+          </a:custGeom>
+          <a:ln>
+            <a:noFill/>
+          </a:ln>
+          <a:effectLst/>
+        </p:spPr>
+        <p:style>
+          <a:lnRef idx="1">
+            <a:schemeClr val="accent3"/>
+          </a:lnRef>
+          <a:fillRef idx="2">
+            <a:schemeClr val="accent3"/>
+          </a:fillRef>
+          <a:effectRef idx="1">
+            <a:schemeClr val="accent3"/>
+          </a:effectRef>
+          <a:fontRef idx="minor">
+            <a:schemeClr val="dk1"/>
+          </a:fontRef>
+        </p:style>
+        <p:txBody>
+          <a:bodyPr rtlCol="0" anchor="ctr"/>
+          <a:lstStyle/>
+          <a:p>
+            <a:pPr algn="ctr"/>
+            <a:endParaRPr lang="zh-CN" altLang="en-US" dirty="0"/>
+          </a:p>
+        </p:txBody>
+      </p:sp>
+    </p:spTree>
+    <p:extLst>
+      <p:ext uri="{BB962C8B-B14F-4D97-AF65-F5344CB8AC3E}">
         <p14:creationId xmlns:p14="http://schemas.microsoft.com/office/powerpoint/2010/main" val="1948895668"/>
       </p:ext>
     </p:extLst>
@@ -3883,7 +4288,7 @@
 </p:sld>
 </file>
 
-<file path=ppt/slides/slide3.xml><?xml version="1.0" encoding="utf-8"?>
+<file path=ppt/slides/slide4.xml><?xml version="1.0" encoding="utf-8"?>
 <p:sld xmlns:a="http://schemas.openxmlformats.org/drawingml/2006/main" xmlns:r="http://schemas.openxmlformats.org/officeDocument/2006/relationships" xmlns:p="http://schemas.openxmlformats.org/presentationml/2006/main">
   <p:cSld>
     <p:spTree>
@@ -4281,7 +4686,7 @@
 </p:sld>
 </file>
 
-<file path=ppt/slides/slide4.xml><?xml version="1.0" encoding="utf-8"?>
+<file path=ppt/slides/slide5.xml><?xml version="1.0" encoding="utf-8"?>
 <p:sld xmlns:a="http://schemas.openxmlformats.org/drawingml/2006/main" xmlns:r="http://schemas.openxmlformats.org/officeDocument/2006/relationships" xmlns:p="http://schemas.openxmlformats.org/presentationml/2006/main">
   <p:cSld>
     <p:spTree>

--- a/data/images/logo.pptx
+++ b/data/images/logo.pptx
@@ -9,7 +9,8 @@
     <p:sldId id="260" r:id="rId3"/>
     <p:sldId id="259" r:id="rId4"/>
     <p:sldId id="258" r:id="rId5"/>
-    <p:sldId id="256" r:id="rId6"/>
+    <p:sldId id="261" r:id="rId6"/>
+    <p:sldId id="256" r:id="rId7"/>
   </p:sldIdLst>
   <p:sldSz cx="9144000" cy="6858000" type="screen4x3"/>
   <p:notesSz cx="6858000" cy="9144000"/>
@@ -306,7 +307,7 @@
           <a:p>
             <a:fld id="{C3733D5E-4FBE-4515-BD6B-7A88DC286B64}" type="datetimeFigureOut">
               <a:rPr lang="zh-CN" altLang="en-US" smtClean="0"/>
-              <a:t>2020/5/29</a:t>
+              <a:t>2021/3/19</a:t>
             </a:fld>
             <a:endParaRPr lang="zh-CN" altLang="en-US"/>
           </a:p>
@@ -474,7 +475,7 @@
           <a:p>
             <a:fld id="{C3733D5E-4FBE-4515-BD6B-7A88DC286B64}" type="datetimeFigureOut">
               <a:rPr lang="zh-CN" altLang="en-US" smtClean="0"/>
-              <a:t>2020/5/29</a:t>
+              <a:t>2021/3/19</a:t>
             </a:fld>
             <a:endParaRPr lang="zh-CN" altLang="en-US"/>
           </a:p>
@@ -652,7 +653,7 @@
           <a:p>
             <a:fld id="{C3733D5E-4FBE-4515-BD6B-7A88DC286B64}" type="datetimeFigureOut">
               <a:rPr lang="zh-CN" altLang="en-US" smtClean="0"/>
-              <a:t>2020/5/29</a:t>
+              <a:t>2021/3/19</a:t>
             </a:fld>
             <a:endParaRPr lang="zh-CN" altLang="en-US"/>
           </a:p>
@@ -820,7 +821,7 @@
           <a:p>
             <a:fld id="{C3733D5E-4FBE-4515-BD6B-7A88DC286B64}" type="datetimeFigureOut">
               <a:rPr lang="zh-CN" altLang="en-US" smtClean="0"/>
-              <a:t>2020/5/29</a:t>
+              <a:t>2021/3/19</a:t>
             </a:fld>
             <a:endParaRPr lang="zh-CN" altLang="en-US"/>
           </a:p>
@@ -1065,7 +1066,7 @@
           <a:p>
             <a:fld id="{C3733D5E-4FBE-4515-BD6B-7A88DC286B64}" type="datetimeFigureOut">
               <a:rPr lang="zh-CN" altLang="en-US" smtClean="0"/>
-              <a:t>2020/5/29</a:t>
+              <a:t>2021/3/19</a:t>
             </a:fld>
             <a:endParaRPr lang="zh-CN" altLang="en-US"/>
           </a:p>
@@ -1350,7 +1351,7 @@
           <a:p>
             <a:fld id="{C3733D5E-4FBE-4515-BD6B-7A88DC286B64}" type="datetimeFigureOut">
               <a:rPr lang="zh-CN" altLang="en-US" smtClean="0"/>
-              <a:t>2020/5/29</a:t>
+              <a:t>2021/3/19</a:t>
             </a:fld>
             <a:endParaRPr lang="zh-CN" altLang="en-US"/>
           </a:p>
@@ -1769,7 +1770,7 @@
           <a:p>
             <a:fld id="{C3733D5E-4FBE-4515-BD6B-7A88DC286B64}" type="datetimeFigureOut">
               <a:rPr lang="zh-CN" altLang="en-US" smtClean="0"/>
-              <a:t>2020/5/29</a:t>
+              <a:t>2021/3/19</a:t>
             </a:fld>
             <a:endParaRPr lang="zh-CN" altLang="en-US"/>
           </a:p>
@@ -1886,7 +1887,7 @@
           <a:p>
             <a:fld id="{C3733D5E-4FBE-4515-BD6B-7A88DC286B64}" type="datetimeFigureOut">
               <a:rPr lang="zh-CN" altLang="en-US" smtClean="0"/>
-              <a:t>2020/5/29</a:t>
+              <a:t>2021/3/19</a:t>
             </a:fld>
             <a:endParaRPr lang="zh-CN" altLang="en-US"/>
           </a:p>
@@ -1981,7 +1982,7 @@
           <a:p>
             <a:fld id="{C3733D5E-4FBE-4515-BD6B-7A88DC286B64}" type="datetimeFigureOut">
               <a:rPr lang="zh-CN" altLang="en-US" smtClean="0"/>
-              <a:t>2020/5/29</a:t>
+              <a:t>2021/3/19</a:t>
             </a:fld>
             <a:endParaRPr lang="zh-CN" altLang="en-US"/>
           </a:p>
@@ -2256,7 +2257,7 @@
           <a:p>
             <a:fld id="{C3733D5E-4FBE-4515-BD6B-7A88DC286B64}" type="datetimeFigureOut">
               <a:rPr lang="zh-CN" altLang="en-US" smtClean="0"/>
-              <a:t>2020/5/29</a:t>
+              <a:t>2021/3/19</a:t>
             </a:fld>
             <a:endParaRPr lang="zh-CN" altLang="en-US"/>
           </a:p>
@@ -2508,7 +2509,7 @@
           <a:p>
             <a:fld id="{C3733D5E-4FBE-4515-BD6B-7A88DC286B64}" type="datetimeFigureOut">
               <a:rPr lang="zh-CN" altLang="en-US" smtClean="0"/>
-              <a:t>2020/5/29</a:t>
+              <a:t>2021/3/19</a:t>
             </a:fld>
             <a:endParaRPr lang="zh-CN" altLang="en-US"/>
           </a:p>
@@ -2719,7 +2720,7 @@
           <a:p>
             <a:fld id="{C3733D5E-4FBE-4515-BD6B-7A88DC286B64}" type="datetimeFigureOut">
               <a:rPr lang="zh-CN" altLang="en-US" smtClean="0"/>
-              <a:t>2020/5/29</a:t>
+              <a:t>2021/3/19</a:t>
             </a:fld>
             <a:endParaRPr lang="zh-CN" altLang="en-US"/>
           </a:p>
@@ -4687,6 +4688,438 @@
 </file>
 
 <file path=ppt/slides/slide5.xml><?xml version="1.0" encoding="utf-8"?>
+<p:sld xmlns:a="http://schemas.openxmlformats.org/drawingml/2006/main" xmlns:r="http://schemas.openxmlformats.org/officeDocument/2006/relationships" xmlns:p="http://schemas.openxmlformats.org/presentationml/2006/main">
+  <p:cSld>
+    <p:spTree>
+      <p:nvGrpSpPr>
+        <p:cNvPr id="1" name=""/>
+        <p:cNvGrpSpPr/>
+        <p:nvPr/>
+      </p:nvGrpSpPr>
+      <p:grpSpPr>
+        <a:xfrm>
+          <a:off x="0" y="0"/>
+          <a:ext cx="0" cy="0"/>
+          <a:chOff x="0" y="0"/>
+          <a:chExt cx="0" cy="0"/>
+        </a:xfrm>
+      </p:grpSpPr>
+      <p:sp>
+        <p:nvSpPr>
+          <p:cNvPr id="4" name="椭圆 3">
+            <a:extLst>
+              <a:ext uri="{FF2B5EF4-FFF2-40B4-BE49-F238E27FC236}">
+                <a16:creationId xmlns:a16="http://schemas.microsoft.com/office/drawing/2014/main" id="{EAEA5E38-B1CC-415E-BFC7-D40E902ADD78}"/>
+              </a:ext>
+            </a:extLst>
+          </p:cNvPr>
+          <p:cNvSpPr/>
+          <p:nvPr/>
+        </p:nvSpPr>
+        <p:spPr>
+          <a:xfrm>
+            <a:off x="3059832" y="1052736"/>
+            <a:ext cx="3744416" cy="3744416"/>
+          </a:xfrm>
+          <a:custGeom>
+            <a:avLst/>
+            <a:gdLst>
+              <a:gd name="connsiteX0" fmla="*/ 0 w 3744416"/>
+              <a:gd name="connsiteY0" fmla="*/ 1872208 h 3744416"/>
+              <a:gd name="connsiteX1" fmla="*/ 1872208 w 3744416"/>
+              <a:gd name="connsiteY1" fmla="*/ 0 h 3744416"/>
+              <a:gd name="connsiteX2" fmla="*/ 3744416 w 3744416"/>
+              <a:gd name="connsiteY2" fmla="*/ 1872208 h 3744416"/>
+              <a:gd name="connsiteX3" fmla="*/ 1872208 w 3744416"/>
+              <a:gd name="connsiteY3" fmla="*/ 3744416 h 3744416"/>
+              <a:gd name="connsiteX4" fmla="*/ 0 w 3744416"/>
+              <a:gd name="connsiteY4" fmla="*/ 1872208 h 3744416"/>
+              <a:gd name="connsiteX0" fmla="*/ 0 w 3744416"/>
+              <a:gd name="connsiteY0" fmla="*/ 1872208 h 3744416"/>
+              <a:gd name="connsiteX1" fmla="*/ 1872208 w 3744416"/>
+              <a:gd name="connsiteY1" fmla="*/ 0 h 3744416"/>
+              <a:gd name="connsiteX2" fmla="*/ 3744416 w 3744416"/>
+              <a:gd name="connsiteY2" fmla="*/ 1872208 h 3744416"/>
+              <a:gd name="connsiteX3" fmla="*/ 1872208 w 3744416"/>
+              <a:gd name="connsiteY3" fmla="*/ 3744416 h 3744416"/>
+              <a:gd name="connsiteX4" fmla="*/ 0 w 3744416"/>
+              <a:gd name="connsiteY4" fmla="*/ 1872208 h 3744416"/>
+              <a:gd name="connsiteX0" fmla="*/ 0 w 3744416"/>
+              <a:gd name="connsiteY0" fmla="*/ 1872208 h 3744416"/>
+              <a:gd name="connsiteX1" fmla="*/ 962474 w 3744416"/>
+              <a:gd name="connsiteY1" fmla="*/ 885371 h 3744416"/>
+              <a:gd name="connsiteX2" fmla="*/ 1872208 w 3744416"/>
+              <a:gd name="connsiteY2" fmla="*/ 0 h 3744416"/>
+              <a:gd name="connsiteX3" fmla="*/ 3744416 w 3744416"/>
+              <a:gd name="connsiteY3" fmla="*/ 1872208 h 3744416"/>
+              <a:gd name="connsiteX4" fmla="*/ 1872208 w 3744416"/>
+              <a:gd name="connsiteY4" fmla="*/ 3744416 h 3744416"/>
+              <a:gd name="connsiteX5" fmla="*/ 0 w 3744416"/>
+              <a:gd name="connsiteY5" fmla="*/ 1872208 h 3744416"/>
+              <a:gd name="connsiteX0" fmla="*/ 962474 w 3744416"/>
+              <a:gd name="connsiteY0" fmla="*/ 885371 h 3744416"/>
+              <a:gd name="connsiteX1" fmla="*/ 1872208 w 3744416"/>
+              <a:gd name="connsiteY1" fmla="*/ 0 h 3744416"/>
+              <a:gd name="connsiteX2" fmla="*/ 3744416 w 3744416"/>
+              <a:gd name="connsiteY2" fmla="*/ 1872208 h 3744416"/>
+              <a:gd name="connsiteX3" fmla="*/ 1872208 w 3744416"/>
+              <a:gd name="connsiteY3" fmla="*/ 3744416 h 3744416"/>
+              <a:gd name="connsiteX4" fmla="*/ 0 w 3744416"/>
+              <a:gd name="connsiteY4" fmla="*/ 1872208 h 3744416"/>
+              <a:gd name="connsiteX5" fmla="*/ 1053914 w 3744416"/>
+              <a:gd name="connsiteY5" fmla="*/ 976811 h 3744416"/>
+              <a:gd name="connsiteX0" fmla="*/ 962474 w 3744416"/>
+              <a:gd name="connsiteY0" fmla="*/ 885371 h 3744416"/>
+              <a:gd name="connsiteX1" fmla="*/ 1872208 w 3744416"/>
+              <a:gd name="connsiteY1" fmla="*/ 0 h 3744416"/>
+              <a:gd name="connsiteX2" fmla="*/ 3744416 w 3744416"/>
+              <a:gd name="connsiteY2" fmla="*/ 1872208 h 3744416"/>
+              <a:gd name="connsiteX3" fmla="*/ 1872208 w 3744416"/>
+              <a:gd name="connsiteY3" fmla="*/ 3744416 h 3744416"/>
+              <a:gd name="connsiteX4" fmla="*/ 0 w 3744416"/>
+              <a:gd name="connsiteY4" fmla="*/ 1872208 h 3744416"/>
+              <a:gd name="connsiteX5" fmla="*/ 1053914 w 3744416"/>
+              <a:gd name="connsiteY5" fmla="*/ 976811 h 3744416"/>
+              <a:gd name="connsiteX0" fmla="*/ 962474 w 3744416"/>
+              <a:gd name="connsiteY0" fmla="*/ 885371 h 3744416"/>
+              <a:gd name="connsiteX1" fmla="*/ 1872208 w 3744416"/>
+              <a:gd name="connsiteY1" fmla="*/ 0 h 3744416"/>
+              <a:gd name="connsiteX2" fmla="*/ 3744416 w 3744416"/>
+              <a:gd name="connsiteY2" fmla="*/ 1872208 h 3744416"/>
+              <a:gd name="connsiteX3" fmla="*/ 1872208 w 3744416"/>
+              <a:gd name="connsiteY3" fmla="*/ 3744416 h 3744416"/>
+              <a:gd name="connsiteX4" fmla="*/ 0 w 3744416"/>
+              <a:gd name="connsiteY4" fmla="*/ 1872208 h 3744416"/>
+              <a:gd name="connsiteX5" fmla="*/ 1053914 w 3744416"/>
+              <a:gd name="connsiteY5" fmla="*/ 976811 h 3744416"/>
+              <a:gd name="connsiteX0" fmla="*/ 962474 w 3744416"/>
+              <a:gd name="connsiteY0" fmla="*/ 885371 h 3744416"/>
+              <a:gd name="connsiteX1" fmla="*/ 1872208 w 3744416"/>
+              <a:gd name="connsiteY1" fmla="*/ 0 h 3744416"/>
+              <a:gd name="connsiteX2" fmla="*/ 3744416 w 3744416"/>
+              <a:gd name="connsiteY2" fmla="*/ 1872208 h 3744416"/>
+              <a:gd name="connsiteX3" fmla="*/ 1872208 w 3744416"/>
+              <a:gd name="connsiteY3" fmla="*/ 3744416 h 3744416"/>
+              <a:gd name="connsiteX4" fmla="*/ 0 w 3744416"/>
+              <a:gd name="connsiteY4" fmla="*/ 1872208 h 3744416"/>
+              <a:gd name="connsiteX5" fmla="*/ 1053914 w 3744416"/>
+              <a:gd name="connsiteY5" fmla="*/ 976811 h 3744416"/>
+              <a:gd name="connsiteX0" fmla="*/ 962474 w 3744416"/>
+              <a:gd name="connsiteY0" fmla="*/ 885371 h 3744416"/>
+              <a:gd name="connsiteX1" fmla="*/ 1872208 w 3744416"/>
+              <a:gd name="connsiteY1" fmla="*/ 0 h 3744416"/>
+              <a:gd name="connsiteX2" fmla="*/ 3744416 w 3744416"/>
+              <a:gd name="connsiteY2" fmla="*/ 1872208 h 3744416"/>
+              <a:gd name="connsiteX3" fmla="*/ 1872208 w 3744416"/>
+              <a:gd name="connsiteY3" fmla="*/ 3744416 h 3744416"/>
+              <a:gd name="connsiteX4" fmla="*/ 0 w 3744416"/>
+              <a:gd name="connsiteY4" fmla="*/ 1872208 h 3744416"/>
+              <a:gd name="connsiteX5" fmla="*/ 1242600 w 3744416"/>
+              <a:gd name="connsiteY5" fmla="*/ 1804126 h 3744416"/>
+              <a:gd name="connsiteX0" fmla="*/ 962474 w 3744416"/>
+              <a:gd name="connsiteY0" fmla="*/ 885371 h 3744416"/>
+              <a:gd name="connsiteX1" fmla="*/ 1872208 w 3744416"/>
+              <a:gd name="connsiteY1" fmla="*/ 0 h 3744416"/>
+              <a:gd name="connsiteX2" fmla="*/ 3744416 w 3744416"/>
+              <a:gd name="connsiteY2" fmla="*/ 1872208 h 3744416"/>
+              <a:gd name="connsiteX3" fmla="*/ 1872208 w 3744416"/>
+              <a:gd name="connsiteY3" fmla="*/ 3744416 h 3744416"/>
+              <a:gd name="connsiteX4" fmla="*/ 0 w 3744416"/>
+              <a:gd name="connsiteY4" fmla="*/ 1872208 h 3744416"/>
+              <a:gd name="connsiteX5" fmla="*/ 1329686 w 3744416"/>
+              <a:gd name="connsiteY5" fmla="*/ 2587897 h 3744416"/>
+              <a:gd name="connsiteX0" fmla="*/ 962474 w 3744416"/>
+              <a:gd name="connsiteY0" fmla="*/ 885371 h 3744416"/>
+              <a:gd name="connsiteX1" fmla="*/ 1872208 w 3744416"/>
+              <a:gd name="connsiteY1" fmla="*/ 0 h 3744416"/>
+              <a:gd name="connsiteX2" fmla="*/ 3744416 w 3744416"/>
+              <a:gd name="connsiteY2" fmla="*/ 1872208 h 3744416"/>
+              <a:gd name="connsiteX3" fmla="*/ 1872208 w 3744416"/>
+              <a:gd name="connsiteY3" fmla="*/ 3744416 h 3744416"/>
+              <a:gd name="connsiteX4" fmla="*/ 0 w 3744416"/>
+              <a:gd name="connsiteY4" fmla="*/ 1872208 h 3744416"/>
+              <a:gd name="connsiteX5" fmla="*/ 1329686 w 3744416"/>
+              <a:gd name="connsiteY5" fmla="*/ 2587897 h 3744416"/>
+              <a:gd name="connsiteX0" fmla="*/ 962474 w 3744416"/>
+              <a:gd name="connsiteY0" fmla="*/ 885371 h 3744416"/>
+              <a:gd name="connsiteX1" fmla="*/ 1872208 w 3744416"/>
+              <a:gd name="connsiteY1" fmla="*/ 0 h 3744416"/>
+              <a:gd name="connsiteX2" fmla="*/ 3744416 w 3744416"/>
+              <a:gd name="connsiteY2" fmla="*/ 1872208 h 3744416"/>
+              <a:gd name="connsiteX3" fmla="*/ 1872208 w 3744416"/>
+              <a:gd name="connsiteY3" fmla="*/ 3744416 h 3744416"/>
+              <a:gd name="connsiteX4" fmla="*/ 0 w 3744416"/>
+              <a:gd name="connsiteY4" fmla="*/ 1872208 h 3744416"/>
+              <a:gd name="connsiteX5" fmla="*/ 1329686 w 3744416"/>
+              <a:gd name="connsiteY5" fmla="*/ 2587897 h 3744416"/>
+              <a:gd name="connsiteX0" fmla="*/ 962474 w 3744416"/>
+              <a:gd name="connsiteY0" fmla="*/ 885371 h 3744416"/>
+              <a:gd name="connsiteX1" fmla="*/ 1872208 w 3744416"/>
+              <a:gd name="connsiteY1" fmla="*/ 0 h 3744416"/>
+              <a:gd name="connsiteX2" fmla="*/ 3744416 w 3744416"/>
+              <a:gd name="connsiteY2" fmla="*/ 1872208 h 3744416"/>
+              <a:gd name="connsiteX3" fmla="*/ 1872208 w 3744416"/>
+              <a:gd name="connsiteY3" fmla="*/ 3744416 h 3744416"/>
+              <a:gd name="connsiteX4" fmla="*/ 0 w 3744416"/>
+              <a:gd name="connsiteY4" fmla="*/ 1872208 h 3744416"/>
+              <a:gd name="connsiteX5" fmla="*/ 1329686 w 3744416"/>
+              <a:gd name="connsiteY5" fmla="*/ 2587897 h 3744416"/>
+              <a:gd name="connsiteX0" fmla="*/ 2022017 w 3744416"/>
+              <a:gd name="connsiteY0" fmla="*/ 1117599 h 3744416"/>
+              <a:gd name="connsiteX1" fmla="*/ 1872208 w 3744416"/>
+              <a:gd name="connsiteY1" fmla="*/ 0 h 3744416"/>
+              <a:gd name="connsiteX2" fmla="*/ 3744416 w 3744416"/>
+              <a:gd name="connsiteY2" fmla="*/ 1872208 h 3744416"/>
+              <a:gd name="connsiteX3" fmla="*/ 1872208 w 3744416"/>
+              <a:gd name="connsiteY3" fmla="*/ 3744416 h 3744416"/>
+              <a:gd name="connsiteX4" fmla="*/ 0 w 3744416"/>
+              <a:gd name="connsiteY4" fmla="*/ 1872208 h 3744416"/>
+              <a:gd name="connsiteX5" fmla="*/ 1329686 w 3744416"/>
+              <a:gd name="connsiteY5" fmla="*/ 2587897 h 3744416"/>
+              <a:gd name="connsiteX0" fmla="*/ 2733217 w 3744416"/>
+              <a:gd name="connsiteY0" fmla="*/ 1103084 h 3744416"/>
+              <a:gd name="connsiteX1" fmla="*/ 1872208 w 3744416"/>
+              <a:gd name="connsiteY1" fmla="*/ 0 h 3744416"/>
+              <a:gd name="connsiteX2" fmla="*/ 3744416 w 3744416"/>
+              <a:gd name="connsiteY2" fmla="*/ 1872208 h 3744416"/>
+              <a:gd name="connsiteX3" fmla="*/ 1872208 w 3744416"/>
+              <a:gd name="connsiteY3" fmla="*/ 3744416 h 3744416"/>
+              <a:gd name="connsiteX4" fmla="*/ 0 w 3744416"/>
+              <a:gd name="connsiteY4" fmla="*/ 1872208 h 3744416"/>
+              <a:gd name="connsiteX5" fmla="*/ 1329686 w 3744416"/>
+              <a:gd name="connsiteY5" fmla="*/ 2587897 h 3744416"/>
+              <a:gd name="connsiteX0" fmla="*/ 2733217 w 3744416"/>
+              <a:gd name="connsiteY0" fmla="*/ 1103084 h 3744416"/>
+              <a:gd name="connsiteX1" fmla="*/ 1872208 w 3744416"/>
+              <a:gd name="connsiteY1" fmla="*/ 0 h 3744416"/>
+              <a:gd name="connsiteX2" fmla="*/ 3744416 w 3744416"/>
+              <a:gd name="connsiteY2" fmla="*/ 1872208 h 3744416"/>
+              <a:gd name="connsiteX3" fmla="*/ 1872208 w 3744416"/>
+              <a:gd name="connsiteY3" fmla="*/ 3744416 h 3744416"/>
+              <a:gd name="connsiteX4" fmla="*/ 0 w 3744416"/>
+              <a:gd name="connsiteY4" fmla="*/ 1872208 h 3744416"/>
+              <a:gd name="connsiteX5" fmla="*/ 1053915 w 3744416"/>
+              <a:gd name="connsiteY5" fmla="*/ 1455783 h 3744416"/>
+              <a:gd name="connsiteX0" fmla="*/ 2733217 w 3744416"/>
+              <a:gd name="connsiteY0" fmla="*/ 1103084 h 3744416"/>
+              <a:gd name="connsiteX1" fmla="*/ 1872208 w 3744416"/>
+              <a:gd name="connsiteY1" fmla="*/ 0 h 3744416"/>
+              <a:gd name="connsiteX2" fmla="*/ 3744416 w 3744416"/>
+              <a:gd name="connsiteY2" fmla="*/ 1872208 h 3744416"/>
+              <a:gd name="connsiteX3" fmla="*/ 1872208 w 3744416"/>
+              <a:gd name="connsiteY3" fmla="*/ 3744416 h 3744416"/>
+              <a:gd name="connsiteX4" fmla="*/ 0 w 3744416"/>
+              <a:gd name="connsiteY4" fmla="*/ 1872208 h 3744416"/>
+              <a:gd name="connsiteX5" fmla="*/ 792658 w 3744416"/>
+              <a:gd name="connsiteY5" fmla="*/ 454297 h 3744416"/>
+              <a:gd name="connsiteX0" fmla="*/ 2733217 w 3744416"/>
+              <a:gd name="connsiteY0" fmla="*/ 1103084 h 3744416"/>
+              <a:gd name="connsiteX1" fmla="*/ 1872208 w 3744416"/>
+              <a:gd name="connsiteY1" fmla="*/ 0 h 3744416"/>
+              <a:gd name="connsiteX2" fmla="*/ 3744416 w 3744416"/>
+              <a:gd name="connsiteY2" fmla="*/ 1872208 h 3744416"/>
+              <a:gd name="connsiteX3" fmla="*/ 1872208 w 3744416"/>
+              <a:gd name="connsiteY3" fmla="*/ 3744416 h 3744416"/>
+              <a:gd name="connsiteX4" fmla="*/ 0 w 3744416"/>
+              <a:gd name="connsiteY4" fmla="*/ 1872208 h 3744416"/>
+              <a:gd name="connsiteX5" fmla="*/ 226601 w 3744416"/>
+              <a:gd name="connsiteY5" fmla="*/ 454297 h 3744416"/>
+              <a:gd name="connsiteX0" fmla="*/ 2210703 w 3744416"/>
+              <a:gd name="connsiteY0" fmla="*/ 2728684 h 3744416"/>
+              <a:gd name="connsiteX1" fmla="*/ 1872208 w 3744416"/>
+              <a:gd name="connsiteY1" fmla="*/ 0 h 3744416"/>
+              <a:gd name="connsiteX2" fmla="*/ 3744416 w 3744416"/>
+              <a:gd name="connsiteY2" fmla="*/ 1872208 h 3744416"/>
+              <a:gd name="connsiteX3" fmla="*/ 1872208 w 3744416"/>
+              <a:gd name="connsiteY3" fmla="*/ 3744416 h 3744416"/>
+              <a:gd name="connsiteX4" fmla="*/ 0 w 3744416"/>
+              <a:gd name="connsiteY4" fmla="*/ 1872208 h 3744416"/>
+              <a:gd name="connsiteX5" fmla="*/ 226601 w 3744416"/>
+              <a:gd name="connsiteY5" fmla="*/ 454297 h 3744416"/>
+              <a:gd name="connsiteX0" fmla="*/ 2210703 w 3744416"/>
+              <a:gd name="connsiteY0" fmla="*/ 2728684 h 3744416"/>
+              <a:gd name="connsiteX1" fmla="*/ 1872208 w 3744416"/>
+              <a:gd name="connsiteY1" fmla="*/ 0 h 3744416"/>
+              <a:gd name="connsiteX2" fmla="*/ 3744416 w 3744416"/>
+              <a:gd name="connsiteY2" fmla="*/ 1872208 h 3744416"/>
+              <a:gd name="connsiteX3" fmla="*/ 1872208 w 3744416"/>
+              <a:gd name="connsiteY3" fmla="*/ 3744416 h 3744416"/>
+              <a:gd name="connsiteX4" fmla="*/ 0 w 3744416"/>
+              <a:gd name="connsiteY4" fmla="*/ 1872208 h 3744416"/>
+              <a:gd name="connsiteX5" fmla="*/ 226601 w 3744416"/>
+              <a:gd name="connsiteY5" fmla="*/ 454297 h 3744416"/>
+              <a:gd name="connsiteX0" fmla="*/ 2210703 w 3744416"/>
+              <a:gd name="connsiteY0" fmla="*/ 2728684 h 3744416"/>
+              <a:gd name="connsiteX1" fmla="*/ 1872208 w 3744416"/>
+              <a:gd name="connsiteY1" fmla="*/ 0 h 3744416"/>
+              <a:gd name="connsiteX2" fmla="*/ 3744416 w 3744416"/>
+              <a:gd name="connsiteY2" fmla="*/ 1872208 h 3744416"/>
+              <a:gd name="connsiteX3" fmla="*/ 1872208 w 3744416"/>
+              <a:gd name="connsiteY3" fmla="*/ 3744416 h 3744416"/>
+              <a:gd name="connsiteX4" fmla="*/ 0 w 3744416"/>
+              <a:gd name="connsiteY4" fmla="*/ 1872208 h 3744416"/>
+              <a:gd name="connsiteX5" fmla="*/ 226601 w 3744416"/>
+              <a:gd name="connsiteY5" fmla="*/ 454297 h 3744416"/>
+              <a:gd name="connsiteX0" fmla="*/ 2210703 w 3744416"/>
+              <a:gd name="connsiteY0" fmla="*/ 2728684 h 3744416"/>
+              <a:gd name="connsiteX1" fmla="*/ 1872208 w 3744416"/>
+              <a:gd name="connsiteY1" fmla="*/ 0 h 3744416"/>
+              <a:gd name="connsiteX2" fmla="*/ 3744416 w 3744416"/>
+              <a:gd name="connsiteY2" fmla="*/ 1872208 h 3744416"/>
+              <a:gd name="connsiteX3" fmla="*/ 1872208 w 3744416"/>
+              <a:gd name="connsiteY3" fmla="*/ 3744416 h 3744416"/>
+              <a:gd name="connsiteX4" fmla="*/ 0 w 3744416"/>
+              <a:gd name="connsiteY4" fmla="*/ 1872208 h 3744416"/>
+              <a:gd name="connsiteX5" fmla="*/ 226601 w 3744416"/>
+              <a:gd name="connsiteY5" fmla="*/ 454297 h 3744416"/>
+              <a:gd name="connsiteX6" fmla="*/ 2210703 w 3744416"/>
+              <a:gd name="connsiteY6" fmla="*/ 2728684 h 3744416"/>
+              <a:gd name="connsiteX0" fmla="*/ 2210703 w 3744416"/>
+              <a:gd name="connsiteY0" fmla="*/ 2728684 h 3744416"/>
+              <a:gd name="connsiteX1" fmla="*/ 1872208 w 3744416"/>
+              <a:gd name="connsiteY1" fmla="*/ 0 h 3744416"/>
+              <a:gd name="connsiteX2" fmla="*/ 3744416 w 3744416"/>
+              <a:gd name="connsiteY2" fmla="*/ 1872208 h 3744416"/>
+              <a:gd name="connsiteX3" fmla="*/ 1872208 w 3744416"/>
+              <a:gd name="connsiteY3" fmla="*/ 3744416 h 3744416"/>
+              <a:gd name="connsiteX4" fmla="*/ 0 w 3744416"/>
+              <a:gd name="connsiteY4" fmla="*/ 1872208 h 3744416"/>
+              <a:gd name="connsiteX5" fmla="*/ 226601 w 3744416"/>
+              <a:gd name="connsiteY5" fmla="*/ 454297 h 3744416"/>
+              <a:gd name="connsiteX6" fmla="*/ 2210703 w 3744416"/>
+              <a:gd name="connsiteY6" fmla="*/ 2728684 h 3744416"/>
+            </a:gdLst>
+            <a:ahLst/>
+            <a:cxnLst>
+              <a:cxn ang="0">
+                <a:pos x="connsiteX0" y="connsiteY0"/>
+              </a:cxn>
+              <a:cxn ang="0">
+                <a:pos x="connsiteX1" y="connsiteY1"/>
+              </a:cxn>
+              <a:cxn ang="0">
+                <a:pos x="connsiteX2" y="connsiteY2"/>
+              </a:cxn>
+              <a:cxn ang="0">
+                <a:pos x="connsiteX3" y="connsiteY3"/>
+              </a:cxn>
+              <a:cxn ang="0">
+                <a:pos x="connsiteX4" y="connsiteY4"/>
+              </a:cxn>
+              <a:cxn ang="0">
+                <a:pos x="connsiteX5" y="connsiteY5"/>
+              </a:cxn>
+              <a:cxn ang="0">
+                <a:pos x="connsiteX6" y="connsiteY6"/>
+              </a:cxn>
+            </a:cxnLst>
+            <a:rect l="l" t="t" r="r" b="b"/>
+            <a:pathLst>
+              <a:path w="3744416" h="3744416">
+                <a:moveTo>
+                  <a:pt x="2210703" y="2728684"/>
+                </a:moveTo>
+                <a:cubicBezTo>
+                  <a:pt x="443242" y="266094"/>
+                  <a:pt x="1985040" y="909561"/>
+                  <a:pt x="1872208" y="0"/>
+                </a:cubicBezTo>
+                <a:cubicBezTo>
+                  <a:pt x="3127626" y="123304"/>
+                  <a:pt x="3744416" y="838216"/>
+                  <a:pt x="3744416" y="1872208"/>
+                </a:cubicBezTo>
+                <a:cubicBezTo>
+                  <a:pt x="3744416" y="2906200"/>
+                  <a:pt x="2906200" y="3744416"/>
+                  <a:pt x="1872208" y="3744416"/>
+                </a:cubicBezTo>
+                <a:cubicBezTo>
+                  <a:pt x="838216" y="3744416"/>
+                  <a:pt x="0" y="2906200"/>
+                  <a:pt x="0" y="1872208"/>
+                </a:cubicBezTo>
+                <a:cubicBezTo>
+                  <a:pt x="320825" y="1543262"/>
+                  <a:pt x="226601" y="454297"/>
+                  <a:pt x="226601" y="454297"/>
+                </a:cubicBezTo>
+                <a:cubicBezTo>
+                  <a:pt x="1062139" y="443169"/>
+                  <a:pt x="1549336" y="1970555"/>
+                  <a:pt x="2210703" y="2728684"/>
+                </a:cubicBezTo>
+                <a:close/>
+              </a:path>
+            </a:pathLst>
+          </a:custGeom>
+          <a:gradFill>
+            <a:gsLst>
+              <a:gs pos="0">
+                <a:schemeClr val="accent3">
+                  <a:tint val="50000"/>
+                  <a:satMod val="300000"/>
+                </a:schemeClr>
+              </a:gs>
+              <a:gs pos="19000">
+                <a:schemeClr val="accent3">
+                  <a:tint val="37000"/>
+                  <a:satMod val="300000"/>
+                </a:schemeClr>
+              </a:gs>
+              <a:gs pos="26000">
+                <a:schemeClr val="bg1">
+                  <a:alpha val="94000"/>
+                </a:schemeClr>
+              </a:gs>
+            </a:gsLst>
+          </a:gradFill>
+          <a:ln w="82550">
+            <a:solidFill>
+              <a:schemeClr val="accent3">
+                <a:shade val="95000"/>
+                <a:satMod val="105000"/>
+              </a:schemeClr>
+            </a:solidFill>
+          </a:ln>
+        </p:spPr>
+        <p:style>
+          <a:lnRef idx="1">
+            <a:schemeClr val="accent3"/>
+          </a:lnRef>
+          <a:fillRef idx="2">
+            <a:schemeClr val="accent3"/>
+          </a:fillRef>
+          <a:effectRef idx="1">
+            <a:schemeClr val="accent3"/>
+          </a:effectRef>
+          <a:fontRef idx="minor">
+            <a:schemeClr val="dk1"/>
+          </a:fontRef>
+        </p:style>
+        <p:txBody>
+          <a:bodyPr rtlCol="0" anchor="ctr"/>
+          <a:lstStyle/>
+          <a:p>
+            <a:pPr algn="ctr"/>
+            <a:endParaRPr lang="zh-CN" altLang="en-US" dirty="0"/>
+          </a:p>
+        </p:txBody>
+      </p:sp>
+    </p:spTree>
+    <p:extLst>
+      <p:ext uri="{BB962C8B-B14F-4D97-AF65-F5344CB8AC3E}">
+        <p14:creationId xmlns:p14="http://schemas.microsoft.com/office/powerpoint/2010/main" val="2551502875"/>
+      </p:ext>
+    </p:extLst>
+  </p:cSld>
+  <p:clrMapOvr>
+    <a:masterClrMapping/>
+  </p:clrMapOvr>
+</p:sld>
+</file>
+
+<file path=ppt/slides/slide6.xml><?xml version="1.0" encoding="utf-8"?>
 <p:sld xmlns:a="http://schemas.openxmlformats.org/drawingml/2006/main" xmlns:r="http://schemas.openxmlformats.org/officeDocument/2006/relationships" xmlns:p="http://schemas.openxmlformats.org/presentationml/2006/main">
   <p:cSld>
     <p:spTree>
